--- a/teaching/CS0449-2234/rec01.pptx
+++ b/teaching/CS0449-2234/rec01.pptx
@@ -198,7 +198,7 @@
           <a:p>
             <a:fld id="{2518A644-EF4B-4DFC-86A3-F37E532C85B5}" type="datetimeFigureOut">
               <a:rPr lang="en-US" smtClean="0"/>
-              <a:t>1/21/2023</a:t>
+              <a:t>1/23/23</a:t>
             </a:fld>
             <a:endParaRPr lang="en-US"/>
           </a:p>
@@ -705,7 +705,7 @@
           <a:p>
             <a:fld id="{AE8DEAFF-F6FE-4160-BD52-F935596BA33A}" type="datetime1">
               <a:rPr lang="en-US" smtClean="0"/>
-              <a:t>1/21/2023</a:t>
+              <a:t>1/23/23</a:t>
             </a:fld>
             <a:endParaRPr lang="en-US" dirty="0"/>
           </a:p>
@@ -1249,7 +1249,7 @@
           <a:p>
             <a:fld id="{4862143E-50DC-4DBB-A9AF-6D92245E0AE9}" type="datetime1">
               <a:rPr lang="en-US" smtClean="0"/>
-              <a:t>1/21/2023</a:t>
+              <a:t>1/23/23</a:t>
             </a:fld>
             <a:endParaRPr lang="en-US"/>
           </a:p>
@@ -1432,7 +1432,7 @@
           <a:p>
             <a:fld id="{1B131C9E-65BA-45DD-BDAD-20DF5FBA63A6}" type="datetime1">
               <a:rPr lang="en-US" smtClean="0"/>
-              <a:t>1/21/2023</a:t>
+              <a:t>1/23/23</a:t>
             </a:fld>
             <a:endParaRPr lang="en-US"/>
           </a:p>
@@ -1605,7 +1605,7 @@
           <a:p>
             <a:fld id="{58369C37-9A54-4268-839E-8BA271866E2C}" type="datetime1">
               <a:rPr lang="en-US" smtClean="0"/>
-              <a:t>1/21/2023</a:t>
+              <a:t>1/23/23</a:t>
             </a:fld>
             <a:endParaRPr lang="en-US"/>
           </a:p>
@@ -1852,7 +1852,7 @@
           <a:p>
             <a:fld id="{26B254BF-0BA0-496D-9270-38D7695D8D39}" type="datetime1">
               <a:rPr lang="en-US" smtClean="0"/>
-              <a:t>1/21/2023</a:t>
+              <a:t>1/23/23</a:t>
             </a:fld>
             <a:endParaRPr lang="en-US"/>
           </a:p>
@@ -2087,7 +2087,7 @@
           <a:p>
             <a:fld id="{FA90C4D9-856D-4F02-9C9A-6FDB7488682F}" type="datetime1">
               <a:rPr lang="en-US" smtClean="0"/>
-              <a:t>1/21/2023</a:t>
+              <a:t>1/23/23</a:t>
             </a:fld>
             <a:endParaRPr lang="en-US"/>
           </a:p>
@@ -2457,7 +2457,7 @@
           <a:p>
             <a:fld id="{6EB3E15C-CD76-4422-B506-E73EE1CC849D}" type="datetime1">
               <a:rPr lang="en-US" smtClean="0"/>
-              <a:t>1/21/2023</a:t>
+              <a:t>1/23/23</a:t>
             </a:fld>
             <a:endParaRPr lang="en-US"/>
           </a:p>
@@ -2578,7 +2578,7 @@
           <a:p>
             <a:fld id="{D7069F65-3470-466B-BEC7-52EC51CF03A6}" type="datetime1">
               <a:rPr lang="en-US" smtClean="0"/>
-              <a:t>1/21/2023</a:t>
+              <a:t>1/23/23</a:t>
             </a:fld>
             <a:endParaRPr lang="en-US"/>
           </a:p>
@@ -2676,7 +2676,7 @@
           <a:p>
             <a:fld id="{3438578E-CC73-43FF-92BF-A141AF32A78A}" type="datetime1">
               <a:rPr lang="en-US" smtClean="0"/>
-              <a:t>1/21/2023</a:t>
+              <a:t>1/23/23</a:t>
             </a:fld>
             <a:endParaRPr lang="en-US"/>
           </a:p>
@@ -2956,7 +2956,7 @@
           <a:p>
             <a:fld id="{40A051CB-411E-4FAF-9D0F-A1249DB306D2}" type="datetime1">
               <a:rPr lang="en-US" smtClean="0"/>
-              <a:t>1/21/2023</a:t>
+              <a:t>1/23/23</a:t>
             </a:fld>
             <a:endParaRPr lang="en-US"/>
           </a:p>
@@ -3216,7 +3216,7 @@
           <a:p>
             <a:fld id="{5A538C38-D380-4CBD-ACA0-1BE37BD071FC}" type="datetime1">
               <a:rPr lang="en-US" smtClean="0"/>
-              <a:t>1/21/2023</a:t>
+              <a:t>1/23/23</a:t>
             </a:fld>
             <a:endParaRPr lang="en-US"/>
           </a:p>
@@ -3434,7 +3434,7 @@
           <a:p>
             <a:fld id="{9D108250-4699-419C-BA31-54CDAB732F31}" type="datetime1">
               <a:rPr lang="en-US" smtClean="0"/>
-              <a:t>1/21/2023</a:t>
+              <a:t>1/23/23</a:t>
             </a:fld>
             <a:endParaRPr lang="en-US"/>
           </a:p>
@@ -4516,35 +4516,18 @@
           <a:p>
             <a:pPr lvl="1"/>
             <a:r>
-              <a:rPr lang="en-US" dirty="0">
+              <a:rPr lang="en-US" sz="1600" dirty="0">
                 <a:solidFill>
                   <a:schemeClr val="accent1"/>
                 </a:solidFill>
                 <a:latin typeface="Consolas" panose="020B0609020204030204" pitchFamily="49" charset="0"/>
                 <a:ea typeface="Open Sans SemiBold" panose="020B0706030804020204" pitchFamily="34" charset="0"/>
                 <a:cs typeface="Consolas" panose="020B0609020204030204" pitchFamily="49" charset="0"/>
-                <a:hlinkClick r:id="rId2">
-                  <a:extLst>
-                    <a:ext uri="{A12FA001-AC4F-418D-AE19-62706E023703}">
-                      <ahyp:hlinkClr xmlns:ahyp="http://schemas.microsoft.com/office/drawing/2018/hyperlinkcolor" val="tx"/>
-                    </a:ext>
-                  </a:extLst>
-                </a:hlinkClick>
+                <a:hlinkClick r:id="rId2"/>
               </a:rPr>
-              <a:t>https://sites.pitt.edu/~shk148/teaching/CS0449-2234/</a:t>
-            </a:r>
-            <a:r>
-              <a:rPr lang="en-US" dirty="0">
-                <a:solidFill>
-                  <a:schemeClr val="accent1"/>
-                </a:solidFill>
-                <a:latin typeface="Consolas" panose="020B0609020204030204" pitchFamily="49" charset="0"/>
-                <a:ea typeface="Open Sans SemiBold" panose="020B0706030804020204" pitchFamily="34" charset="0"/>
-                <a:cs typeface="Consolas" panose="020B0609020204030204" pitchFamily="49" charset="0"/>
-              </a:rPr>
-              <a:t> </a:t>
-            </a:r>
-            <a:endParaRPr lang="en-US" dirty="0">
+              <a:t>https://sites.pitt.edu/~shk148/teaching/CS0449-2234/#handouts</a:t>
+            </a:r>
+            <a:endParaRPr lang="en-US" sz="1600" dirty="0">
               <a:solidFill>
                 <a:schemeClr val="accent1"/>
               </a:solidFill>
@@ -4569,13 +4552,13 @@
           <p:nvPr>
             <p:extLst>
               <p:ext uri="{D42A27DB-BD31-4B8C-83A1-F6EECF244321}">
-                <p14:modId xmlns:p14="http://schemas.microsoft.com/office/powerpoint/2010/main" val="2413890591"/>
+                <p14:modId xmlns:p14="http://schemas.microsoft.com/office/powerpoint/2010/main" val="4016749868"/>
               </p:ext>
             </p:extLst>
           </p:nvPr>
         </p:nvGraphicFramePr>
         <p:xfrm>
-          <a:off x="532898" y="1699072"/>
+          <a:off x="532897" y="1603279"/>
           <a:ext cx="8078206" cy="3459855"/>
         </p:xfrm>
         <a:graphic>
@@ -5166,7 +5149,7 @@
           <a:p>
             <a:fld id="{B6FAA7CD-DABF-470E-A1D3-880A269608C9}" type="datetime1">
               <a:rPr lang="en-US" smtClean="0"/>
-              <a:t>1/21/2023</a:t>
+              <a:t>1/23/23</a:t>
             </a:fld>
             <a:endParaRPr lang="en-US" dirty="0"/>
           </a:p>

--- a/teaching/CS0449-2234/rec01.pptx
+++ b/teaching/CS0449-2234/rec01.pptx
@@ -4224,13 +4224,18 @@
               </a:spcBef>
             </a:pPr>
             <a:r>
-              <a:rPr lang="en-US" sz="1500" dirty="0">
+              <a:rPr lang="en-US" sz="1500">
                 <a:latin typeface="Open Sans" pitchFamily="2" charset="0"/>
                 <a:ea typeface="Open Sans" pitchFamily="2" charset="0"/>
                 <a:cs typeface="Open Sans" pitchFamily="2" charset="0"/>
               </a:rPr>
-              <a:t>Martha Dixon and Vinicius Petrucci</a:t>
-            </a:r>
+              <a:t>&lt;&lt;SOURCE HERE&gt;&gt;</a:t>
+            </a:r>
+            <a:endParaRPr lang="en-US" sz="1500" dirty="0">
+              <a:latin typeface="Open Sans" pitchFamily="2" charset="0"/>
+              <a:ea typeface="Open Sans" pitchFamily="2" charset="0"/>
+              <a:cs typeface="Open Sans" pitchFamily="2" charset="0"/>
+            </a:endParaRPr>
           </a:p>
           <a:p>
             <a:pPr algn="r">

--- a/teaching/CS0449-2234/rec01.pptx
+++ b/teaching/CS0449-2234/rec01.pptx
@@ -205,7 +205,7 @@
           <a:p>
             <a:fld id="{2518A644-EF4B-4DFC-86A3-F37E532C85B5}" type="datetimeFigureOut">
               <a:rPr lang="en-US" smtClean="0"/>
-              <a:t>1/23/2023</a:t>
+              <a:t>1/24/23</a:t>
             </a:fld>
             <a:endParaRPr lang="en-US"/>
           </a:p>
@@ -712,7 +712,7 @@
           <a:p>
             <a:fld id="{AE8DEAFF-F6FE-4160-BD52-F935596BA33A}" type="datetime1">
               <a:rPr lang="en-US" smtClean="0"/>
-              <a:t>1/23/2023</a:t>
+              <a:t>1/24/23</a:t>
             </a:fld>
             <a:endParaRPr lang="en-US" dirty="0"/>
           </a:p>
@@ -1256,7 +1256,7 @@
           <a:p>
             <a:fld id="{4862143E-50DC-4DBB-A9AF-6D92245E0AE9}" type="datetime1">
               <a:rPr lang="en-US" smtClean="0"/>
-              <a:t>1/23/2023</a:t>
+              <a:t>1/24/23</a:t>
             </a:fld>
             <a:endParaRPr lang="en-US"/>
           </a:p>
@@ -1439,7 +1439,7 @@
           <a:p>
             <a:fld id="{1B131C9E-65BA-45DD-BDAD-20DF5FBA63A6}" type="datetime1">
               <a:rPr lang="en-US" smtClean="0"/>
-              <a:t>1/23/2023</a:t>
+              <a:t>1/24/23</a:t>
             </a:fld>
             <a:endParaRPr lang="en-US"/>
           </a:p>
@@ -1654,7 +1654,7 @@
           <a:p>
             <a:fld id="{58369C37-9A54-4268-839E-8BA271866E2C}" type="datetime1">
               <a:rPr lang="en-US" smtClean="0"/>
-              <a:t>1/23/2023</a:t>
+              <a:t>1/24/23</a:t>
             </a:fld>
             <a:endParaRPr lang="en-US"/>
           </a:p>
@@ -1901,7 +1901,7 @@
           <a:p>
             <a:fld id="{26B254BF-0BA0-496D-9270-38D7695D8D39}" type="datetime1">
               <a:rPr lang="en-US" smtClean="0"/>
-              <a:t>1/23/2023</a:t>
+              <a:t>1/24/23</a:t>
             </a:fld>
             <a:endParaRPr lang="en-US"/>
           </a:p>
@@ -2136,7 +2136,7 @@
           <a:p>
             <a:fld id="{FA90C4D9-856D-4F02-9C9A-6FDB7488682F}" type="datetime1">
               <a:rPr lang="en-US" smtClean="0"/>
-              <a:t>1/23/2023</a:t>
+              <a:t>1/24/23</a:t>
             </a:fld>
             <a:endParaRPr lang="en-US"/>
           </a:p>
@@ -2506,7 +2506,7 @@
           <a:p>
             <a:fld id="{6EB3E15C-CD76-4422-B506-E73EE1CC849D}" type="datetime1">
               <a:rPr lang="en-US" smtClean="0"/>
-              <a:t>1/23/2023</a:t>
+              <a:t>1/24/23</a:t>
             </a:fld>
             <a:endParaRPr lang="en-US"/>
           </a:p>
@@ -2627,7 +2627,7 @@
           <a:p>
             <a:fld id="{D7069F65-3470-466B-BEC7-52EC51CF03A6}" type="datetime1">
               <a:rPr lang="en-US" smtClean="0"/>
-              <a:t>1/23/2023</a:t>
+              <a:t>1/24/23</a:t>
             </a:fld>
             <a:endParaRPr lang="en-US"/>
           </a:p>
@@ -2725,7 +2725,7 @@
           <a:p>
             <a:fld id="{3438578E-CC73-43FF-92BF-A141AF32A78A}" type="datetime1">
               <a:rPr lang="en-US" smtClean="0"/>
-              <a:t>1/23/2023</a:t>
+              <a:t>1/24/23</a:t>
             </a:fld>
             <a:endParaRPr lang="en-US"/>
           </a:p>
@@ -3005,7 +3005,7 @@
           <a:p>
             <a:fld id="{40A051CB-411E-4FAF-9D0F-A1249DB306D2}" type="datetime1">
               <a:rPr lang="en-US" smtClean="0"/>
-              <a:t>1/23/2023</a:t>
+              <a:t>1/24/23</a:t>
             </a:fld>
             <a:endParaRPr lang="en-US"/>
           </a:p>
@@ -3265,7 +3265,7 @@
           <a:p>
             <a:fld id="{5A538C38-D380-4CBD-ACA0-1BE37BD071FC}" type="datetime1">
               <a:rPr lang="en-US" smtClean="0"/>
-              <a:t>1/23/2023</a:t>
+              <a:t>1/24/23</a:t>
             </a:fld>
             <a:endParaRPr lang="en-US"/>
           </a:p>
@@ -3483,7 +3483,7 @@
           <a:p>
             <a:fld id="{9D108250-4699-419C-BA31-54CDAB732F31}" type="datetime1">
               <a:rPr lang="en-US" smtClean="0"/>
-              <a:t>1/23/2023</a:t>
+              <a:t>1/24/23</a:t>
             </a:fld>
             <a:endParaRPr lang="en-US"/>
           </a:p>
@@ -5358,7 +5358,7 @@
           <a:p>
             <a:fld id="{B6FAA7CD-DABF-470E-A1D3-880A269608C9}" type="datetime1">
               <a:rPr lang="en-US" smtClean="0"/>
-              <a:t>1/23/2023</a:t>
+              <a:t>1/24/23</a:t>
             </a:fld>
             <a:endParaRPr lang="en-US" dirty="0"/>
           </a:p>
@@ -5659,7 +5659,7 @@
           <a:p>
             <a:fld id="{58369C37-9A54-4268-839E-8BA271866E2C}" type="datetime1">
               <a:rPr lang="en-US" smtClean="0"/>
-              <a:t>1/23/2023</a:t>
+              <a:t>1/24/23</a:t>
             </a:fld>
             <a:endParaRPr lang="en-US"/>
           </a:p>
@@ -5968,7 +5968,7 @@
           <a:p>
             <a:fld id="{58369C37-9A54-4268-839E-8BA271866E2C}" type="datetime1">
               <a:rPr lang="en-US" smtClean="0"/>
-              <a:t>1/23/2023</a:t>
+              <a:t>1/24/23</a:t>
             </a:fld>
             <a:endParaRPr lang="en-US"/>
           </a:p>
@@ -6173,7 +6173,7 @@
           <a:p>
             <a:fld id="{58369C37-9A54-4268-839E-8BA271866E2C}" type="datetime1">
               <a:rPr lang="en-US" smtClean="0"/>
-              <a:t>1/23/2023</a:t>
+              <a:t>1/24/23</a:t>
             </a:fld>
             <a:endParaRPr lang="en-US"/>
           </a:p>
@@ -6800,7 +6800,7 @@
           <a:p>
             <a:fld id="{58369C37-9A54-4268-839E-8BA271866E2C}" type="datetime1">
               <a:rPr lang="en-US" smtClean="0"/>
-              <a:t>1/23/2023</a:t>
+              <a:t>1/24/23</a:t>
             </a:fld>
             <a:endParaRPr lang="en-US"/>
           </a:p>
@@ -8246,7 +8246,7 @@
           <a:p>
             <a:fld id="{58369C37-9A54-4268-839E-8BA271866E2C}" type="datetime1">
               <a:rPr lang="en-US" smtClean="0"/>
-              <a:t>1/23/2023</a:t>
+              <a:t>1/24/23</a:t>
             </a:fld>
             <a:endParaRPr lang="en-US"/>
           </a:p>
@@ -9727,7 +9727,7 @@
         </p:nvSpPr>
         <p:spPr>
           <a:xfrm>
-            <a:off x="5297864" y="782425"/>
+            <a:off x="5297864" y="791134"/>
             <a:ext cx="3278034" cy="264412"/>
           </a:xfrm>
           <a:prstGeom prst="rect">
@@ -12962,7 +12962,7 @@
         </p:nvSpPr>
         <p:spPr>
           <a:xfrm>
-            <a:off x="1565710" y="2847258"/>
+            <a:off x="1565710" y="2577724"/>
             <a:ext cx="660328" cy="332216"/>
           </a:xfrm>
           <a:prstGeom prst="rect">
@@ -13014,7 +13014,7 @@
         </p:nvSpPr>
         <p:spPr>
           <a:xfrm>
-            <a:off x="5482053" y="2847258"/>
+            <a:off x="5482053" y="2577724"/>
             <a:ext cx="1035117" cy="332216"/>
           </a:xfrm>
           <a:prstGeom prst="rect">
@@ -13066,7 +13066,7 @@
         </p:nvSpPr>
         <p:spPr>
           <a:xfrm>
-            <a:off x="6847334" y="2847258"/>
+            <a:off x="6833813" y="2577724"/>
             <a:ext cx="505573" cy="332216"/>
           </a:xfrm>
           <a:prstGeom prst="rect">
@@ -13161,7 +13161,7 @@
           <a:p>
             <a:fld id="{58369C37-9A54-4268-839E-8BA271866E2C}" type="datetime1">
               <a:rPr lang="en-US" smtClean="0"/>
-              <a:t>1/23/2023</a:t>
+              <a:t>1/24/23</a:t>
             </a:fld>
             <a:endParaRPr lang="en-US"/>
           </a:p>
@@ -13554,8 +13554,8 @@
         </p:nvCxnSpPr>
         <p:spPr>
           <a:xfrm flipV="1">
-            <a:off x="1654580" y="3179474"/>
-            <a:ext cx="241294" cy="480566"/>
+            <a:off x="1654580" y="2909940"/>
+            <a:ext cx="241294" cy="750100"/>
           </a:xfrm>
           <a:prstGeom prst="straightConnector1">
             <a:avLst/>
@@ -13923,8 +13923,8 @@
         </p:nvCxnSpPr>
         <p:spPr>
           <a:xfrm flipV="1">
-            <a:off x="4217747" y="3179474"/>
-            <a:ext cx="1781865" cy="728888"/>
+            <a:off x="4217747" y="2909940"/>
+            <a:ext cx="1781865" cy="998422"/>
           </a:xfrm>
           <a:prstGeom prst="straightConnector1">
             <a:avLst/>
@@ -14295,8 +14295,8 @@
         </p:nvCxnSpPr>
         <p:spPr>
           <a:xfrm flipH="1" flipV="1">
-            <a:off x="7100121" y="3179474"/>
-            <a:ext cx="63592" cy="552420"/>
+            <a:off x="7086600" y="2909940"/>
+            <a:ext cx="77113" cy="821954"/>
           </a:xfrm>
           <a:prstGeom prst="straightConnector1">
             <a:avLst/>
@@ -14731,7 +14731,7 @@
           <a:p>
             <a:fld id="{58369C37-9A54-4268-839E-8BA271866E2C}" type="datetime1">
               <a:rPr lang="en-US" smtClean="0"/>
-              <a:t>1/23/2023</a:t>
+              <a:t>1/24/23</a:t>
             </a:fld>
             <a:endParaRPr lang="en-US"/>
           </a:p>

--- a/teaching/CS0449-2234/rec01.pptx
+++ b/teaching/CS0449-2234/rec01.pptx
@@ -4089,7 +4089,7 @@
           <a:lstStyle/>
           <a:p>
             <a:r>
-              <a:rPr lang="en-US" sz="2500" dirty="0"/>
+              <a:rPr lang="en-US" sz="2500" b="1" dirty="0"/>
               <a:t>REC-1: Basic of C Programming</a:t>
             </a:r>
           </a:p>
@@ -5732,6 +5732,457 @@
   <p:clrMapOvr>
     <a:masterClrMapping/>
   </p:clrMapOvr>
+  <p:timing>
+    <p:tnLst>
+      <p:par>
+        <p:cTn id="1" dur="indefinite" restart="never" nodeType="tmRoot">
+          <p:childTnLst>
+            <p:seq concurrent="1" nextAc="seek">
+              <p:cTn id="2" dur="indefinite" nodeType="mainSeq">
+                <p:childTnLst>
+                  <p:par>
+                    <p:cTn id="3" fill="hold">
+                      <p:stCondLst>
+                        <p:cond delay="indefinite"/>
+                      </p:stCondLst>
+                      <p:childTnLst>
+                        <p:par>
+                          <p:cTn id="4" fill="hold">
+                            <p:stCondLst>
+                              <p:cond delay="0"/>
+                            </p:stCondLst>
+                            <p:childTnLst>
+                              <p:par>
+                                <p:cTn id="5" presetID="1" presetClass="entr" presetSubtype="0" fill="hold" grpId="0" nodeType="clickEffect">
+                                  <p:stCondLst>
+                                    <p:cond delay="0"/>
+                                  </p:stCondLst>
+                                  <p:childTnLst>
+                                    <p:set>
+                                      <p:cBhvr>
+                                        <p:cTn id="6" dur="1" fill="hold">
+                                          <p:stCondLst>
+                                            <p:cond delay="0"/>
+                                          </p:stCondLst>
+                                        </p:cTn>
+                                        <p:tgtEl>
+                                          <p:spTgt spid="3">
+                                            <p:txEl>
+                                              <p:pRg st="0" end="0"/>
+                                            </p:txEl>
+                                          </p:spTgt>
+                                        </p:tgtEl>
+                                        <p:attrNameLst>
+                                          <p:attrName>style.visibility</p:attrName>
+                                        </p:attrNameLst>
+                                      </p:cBhvr>
+                                      <p:to>
+                                        <p:strVal val="visible"/>
+                                      </p:to>
+                                    </p:set>
+                                  </p:childTnLst>
+                                </p:cTn>
+                              </p:par>
+                            </p:childTnLst>
+                          </p:cTn>
+                        </p:par>
+                      </p:childTnLst>
+                    </p:cTn>
+                  </p:par>
+                  <p:par>
+                    <p:cTn id="7" fill="hold">
+                      <p:stCondLst>
+                        <p:cond delay="indefinite"/>
+                      </p:stCondLst>
+                      <p:childTnLst>
+                        <p:par>
+                          <p:cTn id="8" fill="hold">
+                            <p:stCondLst>
+                              <p:cond delay="0"/>
+                            </p:stCondLst>
+                            <p:childTnLst>
+                              <p:par>
+                                <p:cTn id="9" presetID="1" presetClass="entr" presetSubtype="0" fill="hold" grpId="0" nodeType="clickEffect">
+                                  <p:stCondLst>
+                                    <p:cond delay="0"/>
+                                  </p:stCondLst>
+                                  <p:childTnLst>
+                                    <p:set>
+                                      <p:cBhvr>
+                                        <p:cTn id="10" dur="1" fill="hold">
+                                          <p:stCondLst>
+                                            <p:cond delay="0"/>
+                                          </p:stCondLst>
+                                        </p:cTn>
+                                        <p:tgtEl>
+                                          <p:spTgt spid="3">
+                                            <p:txEl>
+                                              <p:pRg st="1" end="1"/>
+                                            </p:txEl>
+                                          </p:spTgt>
+                                        </p:tgtEl>
+                                        <p:attrNameLst>
+                                          <p:attrName>style.visibility</p:attrName>
+                                        </p:attrNameLst>
+                                      </p:cBhvr>
+                                      <p:to>
+                                        <p:strVal val="visible"/>
+                                      </p:to>
+                                    </p:set>
+                                  </p:childTnLst>
+                                </p:cTn>
+                              </p:par>
+                            </p:childTnLst>
+                          </p:cTn>
+                        </p:par>
+                      </p:childTnLst>
+                    </p:cTn>
+                  </p:par>
+                  <p:par>
+                    <p:cTn id="11" fill="hold">
+                      <p:stCondLst>
+                        <p:cond delay="indefinite"/>
+                      </p:stCondLst>
+                      <p:childTnLst>
+                        <p:par>
+                          <p:cTn id="12" fill="hold">
+                            <p:stCondLst>
+                              <p:cond delay="0"/>
+                            </p:stCondLst>
+                            <p:childTnLst>
+                              <p:par>
+                                <p:cTn id="13" presetID="1" presetClass="entr" presetSubtype="0" fill="hold" grpId="0" nodeType="clickEffect">
+                                  <p:stCondLst>
+                                    <p:cond delay="0"/>
+                                  </p:stCondLst>
+                                  <p:childTnLst>
+                                    <p:set>
+                                      <p:cBhvr>
+                                        <p:cTn id="14" dur="1" fill="hold">
+                                          <p:stCondLst>
+                                            <p:cond delay="0"/>
+                                          </p:stCondLst>
+                                        </p:cTn>
+                                        <p:tgtEl>
+                                          <p:spTgt spid="3">
+                                            <p:txEl>
+                                              <p:pRg st="2" end="2"/>
+                                            </p:txEl>
+                                          </p:spTgt>
+                                        </p:tgtEl>
+                                        <p:attrNameLst>
+                                          <p:attrName>style.visibility</p:attrName>
+                                        </p:attrNameLst>
+                                      </p:cBhvr>
+                                      <p:to>
+                                        <p:strVal val="visible"/>
+                                      </p:to>
+                                    </p:set>
+                                  </p:childTnLst>
+                                </p:cTn>
+                              </p:par>
+                            </p:childTnLst>
+                          </p:cTn>
+                        </p:par>
+                      </p:childTnLst>
+                    </p:cTn>
+                  </p:par>
+                  <p:par>
+                    <p:cTn id="15" fill="hold">
+                      <p:stCondLst>
+                        <p:cond delay="indefinite"/>
+                      </p:stCondLst>
+                      <p:childTnLst>
+                        <p:par>
+                          <p:cTn id="16" fill="hold">
+                            <p:stCondLst>
+                              <p:cond delay="0"/>
+                            </p:stCondLst>
+                            <p:childTnLst>
+                              <p:par>
+                                <p:cTn id="17" presetID="1" presetClass="entr" presetSubtype="0" fill="hold" grpId="0" nodeType="clickEffect">
+                                  <p:stCondLst>
+                                    <p:cond delay="0"/>
+                                  </p:stCondLst>
+                                  <p:childTnLst>
+                                    <p:set>
+                                      <p:cBhvr>
+                                        <p:cTn id="18" dur="1" fill="hold">
+                                          <p:stCondLst>
+                                            <p:cond delay="0"/>
+                                          </p:stCondLst>
+                                        </p:cTn>
+                                        <p:tgtEl>
+                                          <p:spTgt spid="3">
+                                            <p:txEl>
+                                              <p:pRg st="3" end="3"/>
+                                            </p:txEl>
+                                          </p:spTgt>
+                                        </p:tgtEl>
+                                        <p:attrNameLst>
+                                          <p:attrName>style.visibility</p:attrName>
+                                        </p:attrNameLst>
+                                      </p:cBhvr>
+                                      <p:to>
+                                        <p:strVal val="visible"/>
+                                      </p:to>
+                                    </p:set>
+                                  </p:childTnLst>
+                                </p:cTn>
+                              </p:par>
+                              <p:par>
+                                <p:cTn id="19" presetID="1" presetClass="entr" presetSubtype="0" fill="hold" grpId="0" nodeType="withEffect">
+                                  <p:stCondLst>
+                                    <p:cond delay="0"/>
+                                  </p:stCondLst>
+                                  <p:childTnLst>
+                                    <p:set>
+                                      <p:cBhvr>
+                                        <p:cTn id="20" dur="1" fill="hold">
+                                          <p:stCondLst>
+                                            <p:cond delay="0"/>
+                                          </p:stCondLst>
+                                        </p:cTn>
+                                        <p:tgtEl>
+                                          <p:spTgt spid="3">
+                                            <p:txEl>
+                                              <p:pRg st="4" end="4"/>
+                                            </p:txEl>
+                                          </p:spTgt>
+                                        </p:tgtEl>
+                                        <p:attrNameLst>
+                                          <p:attrName>style.visibility</p:attrName>
+                                        </p:attrNameLst>
+                                      </p:cBhvr>
+                                      <p:to>
+                                        <p:strVal val="visible"/>
+                                      </p:to>
+                                    </p:set>
+                                  </p:childTnLst>
+                                </p:cTn>
+                              </p:par>
+                              <p:par>
+                                <p:cTn id="21" presetID="1" presetClass="entr" presetSubtype="0" fill="hold" grpId="0" nodeType="withEffect">
+                                  <p:stCondLst>
+                                    <p:cond delay="0"/>
+                                  </p:stCondLst>
+                                  <p:childTnLst>
+                                    <p:set>
+                                      <p:cBhvr>
+                                        <p:cTn id="22" dur="1" fill="hold">
+                                          <p:stCondLst>
+                                            <p:cond delay="0"/>
+                                          </p:stCondLst>
+                                        </p:cTn>
+                                        <p:tgtEl>
+                                          <p:spTgt spid="3">
+                                            <p:txEl>
+                                              <p:pRg st="5" end="5"/>
+                                            </p:txEl>
+                                          </p:spTgt>
+                                        </p:tgtEl>
+                                        <p:attrNameLst>
+                                          <p:attrName>style.visibility</p:attrName>
+                                        </p:attrNameLst>
+                                      </p:cBhvr>
+                                      <p:to>
+                                        <p:strVal val="visible"/>
+                                      </p:to>
+                                    </p:set>
+                                  </p:childTnLst>
+                                </p:cTn>
+                              </p:par>
+                            </p:childTnLst>
+                          </p:cTn>
+                        </p:par>
+                      </p:childTnLst>
+                    </p:cTn>
+                  </p:par>
+                  <p:par>
+                    <p:cTn id="23" fill="hold">
+                      <p:stCondLst>
+                        <p:cond delay="indefinite"/>
+                      </p:stCondLst>
+                      <p:childTnLst>
+                        <p:par>
+                          <p:cTn id="24" fill="hold">
+                            <p:stCondLst>
+                              <p:cond delay="0"/>
+                            </p:stCondLst>
+                            <p:childTnLst>
+                              <p:par>
+                                <p:cTn id="25" presetID="1" presetClass="entr" presetSubtype="0" fill="hold" grpId="0" nodeType="clickEffect">
+                                  <p:stCondLst>
+                                    <p:cond delay="0"/>
+                                  </p:stCondLst>
+                                  <p:childTnLst>
+                                    <p:set>
+                                      <p:cBhvr>
+                                        <p:cTn id="26" dur="1" fill="hold">
+                                          <p:stCondLst>
+                                            <p:cond delay="0"/>
+                                          </p:stCondLst>
+                                        </p:cTn>
+                                        <p:tgtEl>
+                                          <p:spTgt spid="3">
+                                            <p:txEl>
+                                              <p:pRg st="6" end="6"/>
+                                            </p:txEl>
+                                          </p:spTgt>
+                                        </p:tgtEl>
+                                        <p:attrNameLst>
+                                          <p:attrName>style.visibility</p:attrName>
+                                        </p:attrNameLst>
+                                      </p:cBhvr>
+                                      <p:to>
+                                        <p:strVal val="visible"/>
+                                      </p:to>
+                                    </p:set>
+                                  </p:childTnLst>
+                                </p:cTn>
+                              </p:par>
+                              <p:par>
+                                <p:cTn id="27" presetID="1" presetClass="entr" presetSubtype="0" fill="hold" grpId="0" nodeType="withEffect">
+                                  <p:stCondLst>
+                                    <p:cond delay="0"/>
+                                  </p:stCondLst>
+                                  <p:childTnLst>
+                                    <p:set>
+                                      <p:cBhvr>
+                                        <p:cTn id="28" dur="1" fill="hold">
+                                          <p:stCondLst>
+                                            <p:cond delay="0"/>
+                                          </p:stCondLst>
+                                        </p:cTn>
+                                        <p:tgtEl>
+                                          <p:spTgt spid="3">
+                                            <p:txEl>
+                                              <p:pRg st="7" end="7"/>
+                                            </p:txEl>
+                                          </p:spTgt>
+                                        </p:tgtEl>
+                                        <p:attrNameLst>
+                                          <p:attrName>style.visibility</p:attrName>
+                                        </p:attrNameLst>
+                                      </p:cBhvr>
+                                      <p:to>
+                                        <p:strVal val="visible"/>
+                                      </p:to>
+                                    </p:set>
+                                  </p:childTnLst>
+                                </p:cTn>
+                              </p:par>
+                              <p:par>
+                                <p:cTn id="29" presetID="1" presetClass="entr" presetSubtype="0" fill="hold" grpId="0" nodeType="withEffect">
+                                  <p:stCondLst>
+                                    <p:cond delay="0"/>
+                                  </p:stCondLst>
+                                  <p:childTnLst>
+                                    <p:set>
+                                      <p:cBhvr>
+                                        <p:cTn id="30" dur="1" fill="hold">
+                                          <p:stCondLst>
+                                            <p:cond delay="0"/>
+                                          </p:stCondLst>
+                                        </p:cTn>
+                                        <p:tgtEl>
+                                          <p:spTgt spid="3">
+                                            <p:txEl>
+                                              <p:pRg st="8" end="8"/>
+                                            </p:txEl>
+                                          </p:spTgt>
+                                        </p:tgtEl>
+                                        <p:attrNameLst>
+                                          <p:attrName>style.visibility</p:attrName>
+                                        </p:attrNameLst>
+                                      </p:cBhvr>
+                                      <p:to>
+                                        <p:strVal val="visible"/>
+                                      </p:to>
+                                    </p:set>
+                                  </p:childTnLst>
+                                </p:cTn>
+                              </p:par>
+                            </p:childTnLst>
+                          </p:cTn>
+                        </p:par>
+                      </p:childTnLst>
+                    </p:cTn>
+                  </p:par>
+                  <p:par>
+                    <p:cTn id="31" fill="hold">
+                      <p:stCondLst>
+                        <p:cond delay="indefinite"/>
+                      </p:stCondLst>
+                      <p:childTnLst>
+                        <p:par>
+                          <p:cTn id="32" fill="hold">
+                            <p:stCondLst>
+                              <p:cond delay="0"/>
+                            </p:stCondLst>
+                            <p:childTnLst>
+                              <p:par>
+                                <p:cTn id="33" presetID="1" presetClass="entr" presetSubtype="0" fill="hold" grpId="0" nodeType="clickEffect">
+                                  <p:stCondLst>
+                                    <p:cond delay="0"/>
+                                  </p:stCondLst>
+                                  <p:childTnLst>
+                                    <p:set>
+                                      <p:cBhvr>
+                                        <p:cTn id="34" dur="1" fill="hold">
+                                          <p:stCondLst>
+                                            <p:cond delay="0"/>
+                                          </p:stCondLst>
+                                        </p:cTn>
+                                        <p:tgtEl>
+                                          <p:spTgt spid="3">
+                                            <p:txEl>
+                                              <p:pRg st="9" end="9"/>
+                                            </p:txEl>
+                                          </p:spTgt>
+                                        </p:tgtEl>
+                                        <p:attrNameLst>
+                                          <p:attrName>style.visibility</p:attrName>
+                                        </p:attrNameLst>
+                                      </p:cBhvr>
+                                      <p:to>
+                                        <p:strVal val="visible"/>
+                                      </p:to>
+                                    </p:set>
+                                  </p:childTnLst>
+                                </p:cTn>
+                              </p:par>
+                            </p:childTnLst>
+                          </p:cTn>
+                        </p:par>
+                      </p:childTnLst>
+                    </p:cTn>
+                  </p:par>
+                </p:childTnLst>
+              </p:cTn>
+              <p:prevCondLst>
+                <p:cond evt="onPrev" delay="0">
+                  <p:tgtEl>
+                    <p:sldTgt/>
+                  </p:tgtEl>
+                </p:cond>
+              </p:prevCondLst>
+              <p:nextCondLst>
+                <p:cond evt="onNext" delay="0">
+                  <p:tgtEl>
+                    <p:sldTgt/>
+                  </p:tgtEl>
+                </p:cond>
+              </p:nextCondLst>
+            </p:seq>
+          </p:childTnLst>
+        </p:cTn>
+      </p:par>
+    </p:tnLst>
+    <p:bldLst>
+      <p:bldP spid="3" grpId="0" build="p" bldLvl="3"/>
+    </p:bldLst>
+  </p:timing>
 </p:sld>
 </file>
 
@@ -5768,7 +6219,12 @@
             <p:ph type="title"/>
           </p:nvPr>
         </p:nvSpPr>
-        <p:spPr/>
+        <p:spPr>
+          <a:xfrm>
+            <a:off x="568102" y="29374"/>
+            <a:ext cx="8007796" cy="681037"/>
+          </a:xfrm>
+        </p:spPr>
         <p:txBody>
           <a:bodyPr/>
           <a:lstStyle/>
@@ -5813,7 +6269,18 @@
           <a:p>
             <a:r>
               <a:rPr lang="en-US" dirty="0"/>
-              <a:t>In Lab0, you used printf() in the Hello World program</a:t>
+              <a:t>In Lab0, you used </a:t>
+            </a:r>
+            <a:r>
+              <a:rPr lang="en-US" dirty="0">
+                <a:latin typeface="Consolas" panose="020B0609020204030204" pitchFamily="49" charset="0"/>
+                <a:cs typeface="Consolas" panose="020B0609020204030204" pitchFamily="49" charset="0"/>
+              </a:rPr>
+              <a:t>printf() </a:t>
+            </a:r>
+            <a:r>
+              <a:rPr lang="en-US" dirty="0"/>
+              <a:t>in the Hello World program</a:t>
             </a:r>
           </a:p>
           <a:p>
@@ -5900,14 +6367,32 @@
           <a:p>
             <a:r>
               <a:rPr lang="en-US" dirty="0"/>
-              <a:t>Notice we didn’t need to implement that printf() function ourself</a:t>
+              <a:t>Notice we didn’t need to implement that </a:t>
+            </a:r>
+            <a:r>
+              <a:rPr lang="en-US" dirty="0">
+                <a:latin typeface="Consolas" panose="020B0609020204030204" pitchFamily="49" charset="0"/>
+                <a:cs typeface="Consolas" panose="020B0609020204030204" pitchFamily="49" charset="0"/>
+              </a:rPr>
+              <a:t>printf()</a:t>
+            </a:r>
+            <a:r>
+              <a:rPr lang="en-US" dirty="0"/>
+              <a:t> function ourself</a:t>
             </a:r>
           </a:p>
           <a:p>
             <a:pPr lvl="1"/>
             <a:r>
+              <a:rPr lang="en-US" dirty="0">
+                <a:latin typeface="Consolas" panose="020B0609020204030204" pitchFamily="49" charset="0"/>
+                <a:cs typeface="Consolas" panose="020B0609020204030204" pitchFamily="49" charset="0"/>
+              </a:rPr>
+              <a:t>printf()</a:t>
+            </a:r>
+            <a:r>
               <a:rPr lang="en-US" dirty="0"/>
-              <a:t>printf() is a function built-in to C’s standard library</a:t>
+              <a:t> is a function built-in to C’s standard library</a:t>
             </a:r>
           </a:p>
           <a:p>
@@ -6041,6 +6526,480 @@
   <p:clrMapOvr>
     <a:masterClrMapping/>
   </p:clrMapOvr>
+  <p:timing>
+    <p:tnLst>
+      <p:par>
+        <p:cTn id="1" dur="indefinite" restart="never" nodeType="tmRoot">
+          <p:childTnLst>
+            <p:seq concurrent="1" nextAc="seek">
+              <p:cTn id="2" dur="indefinite" nodeType="mainSeq">
+                <p:childTnLst>
+                  <p:par>
+                    <p:cTn id="3" fill="hold">
+                      <p:stCondLst>
+                        <p:cond delay="indefinite"/>
+                      </p:stCondLst>
+                      <p:childTnLst>
+                        <p:par>
+                          <p:cTn id="4" fill="hold">
+                            <p:stCondLst>
+                              <p:cond delay="0"/>
+                            </p:stCondLst>
+                            <p:childTnLst>
+                              <p:par>
+                                <p:cTn id="5" presetID="1" presetClass="entr" presetSubtype="0" fill="hold" grpId="0" nodeType="clickEffect">
+                                  <p:stCondLst>
+                                    <p:cond delay="0"/>
+                                  </p:stCondLst>
+                                  <p:childTnLst>
+                                    <p:set>
+                                      <p:cBhvr>
+                                        <p:cTn id="6" dur="1" fill="hold">
+                                          <p:stCondLst>
+                                            <p:cond delay="0"/>
+                                          </p:stCondLst>
+                                        </p:cTn>
+                                        <p:tgtEl>
+                                          <p:spTgt spid="3">
+                                            <p:txEl>
+                                              <p:pRg st="0" end="0"/>
+                                            </p:txEl>
+                                          </p:spTgt>
+                                        </p:tgtEl>
+                                        <p:attrNameLst>
+                                          <p:attrName>style.visibility</p:attrName>
+                                        </p:attrNameLst>
+                                      </p:cBhvr>
+                                      <p:to>
+                                        <p:strVal val="visible"/>
+                                      </p:to>
+                                    </p:set>
+                                  </p:childTnLst>
+                                </p:cTn>
+                              </p:par>
+                            </p:childTnLst>
+                          </p:cTn>
+                        </p:par>
+                      </p:childTnLst>
+                    </p:cTn>
+                  </p:par>
+                  <p:par>
+                    <p:cTn id="7" fill="hold">
+                      <p:stCondLst>
+                        <p:cond delay="indefinite"/>
+                      </p:stCondLst>
+                      <p:childTnLst>
+                        <p:par>
+                          <p:cTn id="8" fill="hold">
+                            <p:stCondLst>
+                              <p:cond delay="0"/>
+                            </p:stCondLst>
+                            <p:childTnLst>
+                              <p:par>
+                                <p:cTn id="9" presetID="1" presetClass="entr" presetSubtype="0" fill="hold" grpId="0" nodeType="clickEffect">
+                                  <p:stCondLst>
+                                    <p:cond delay="0"/>
+                                  </p:stCondLst>
+                                  <p:childTnLst>
+                                    <p:set>
+                                      <p:cBhvr>
+                                        <p:cTn id="10" dur="1" fill="hold">
+                                          <p:stCondLst>
+                                            <p:cond delay="0"/>
+                                          </p:stCondLst>
+                                        </p:cTn>
+                                        <p:tgtEl>
+                                          <p:spTgt spid="3">
+                                            <p:txEl>
+                                              <p:pRg st="1" end="1"/>
+                                            </p:txEl>
+                                          </p:spTgt>
+                                        </p:tgtEl>
+                                        <p:attrNameLst>
+                                          <p:attrName>style.visibility</p:attrName>
+                                        </p:attrNameLst>
+                                      </p:cBhvr>
+                                      <p:to>
+                                        <p:strVal val="visible"/>
+                                      </p:to>
+                                    </p:set>
+                                  </p:childTnLst>
+                                </p:cTn>
+                              </p:par>
+                            </p:childTnLst>
+                          </p:cTn>
+                        </p:par>
+                      </p:childTnLst>
+                    </p:cTn>
+                  </p:par>
+                  <p:par>
+                    <p:cTn id="11" fill="hold">
+                      <p:stCondLst>
+                        <p:cond delay="indefinite"/>
+                      </p:stCondLst>
+                      <p:childTnLst>
+                        <p:par>
+                          <p:cTn id="12" fill="hold">
+                            <p:stCondLst>
+                              <p:cond delay="0"/>
+                            </p:stCondLst>
+                            <p:childTnLst>
+                              <p:par>
+                                <p:cTn id="13" presetID="1" presetClass="entr" presetSubtype="0" fill="hold" grpId="0" nodeType="clickEffect">
+                                  <p:stCondLst>
+                                    <p:cond delay="0"/>
+                                  </p:stCondLst>
+                                  <p:childTnLst>
+                                    <p:set>
+                                      <p:cBhvr>
+                                        <p:cTn id="14" dur="1" fill="hold">
+                                          <p:stCondLst>
+                                            <p:cond delay="0"/>
+                                          </p:stCondLst>
+                                        </p:cTn>
+                                        <p:tgtEl>
+                                          <p:spTgt spid="3">
+                                            <p:txEl>
+                                              <p:pRg st="2" end="2"/>
+                                            </p:txEl>
+                                          </p:spTgt>
+                                        </p:tgtEl>
+                                        <p:attrNameLst>
+                                          <p:attrName>style.visibility</p:attrName>
+                                        </p:attrNameLst>
+                                      </p:cBhvr>
+                                      <p:to>
+                                        <p:strVal val="visible"/>
+                                      </p:to>
+                                    </p:set>
+                                  </p:childTnLst>
+                                </p:cTn>
+                              </p:par>
+                            </p:childTnLst>
+                          </p:cTn>
+                        </p:par>
+                      </p:childTnLst>
+                    </p:cTn>
+                  </p:par>
+                  <p:par>
+                    <p:cTn id="15" fill="hold">
+                      <p:stCondLst>
+                        <p:cond delay="indefinite"/>
+                      </p:stCondLst>
+                      <p:childTnLst>
+                        <p:par>
+                          <p:cTn id="16" fill="hold">
+                            <p:stCondLst>
+                              <p:cond delay="0"/>
+                            </p:stCondLst>
+                            <p:childTnLst>
+                              <p:par>
+                                <p:cTn id="17" presetID="1" presetClass="entr" presetSubtype="0" fill="hold" grpId="0" nodeType="clickEffect">
+                                  <p:stCondLst>
+                                    <p:cond delay="0"/>
+                                  </p:stCondLst>
+                                  <p:childTnLst>
+                                    <p:set>
+                                      <p:cBhvr>
+                                        <p:cTn id="18" dur="1" fill="hold">
+                                          <p:stCondLst>
+                                            <p:cond delay="0"/>
+                                          </p:stCondLst>
+                                        </p:cTn>
+                                        <p:tgtEl>
+                                          <p:spTgt spid="3">
+                                            <p:txEl>
+                                              <p:pRg st="3" end="3"/>
+                                            </p:txEl>
+                                          </p:spTgt>
+                                        </p:tgtEl>
+                                        <p:attrNameLst>
+                                          <p:attrName>style.visibility</p:attrName>
+                                        </p:attrNameLst>
+                                      </p:cBhvr>
+                                      <p:to>
+                                        <p:strVal val="visible"/>
+                                      </p:to>
+                                    </p:set>
+                                  </p:childTnLst>
+                                </p:cTn>
+                              </p:par>
+                            </p:childTnLst>
+                          </p:cTn>
+                        </p:par>
+                      </p:childTnLst>
+                    </p:cTn>
+                  </p:par>
+                  <p:par>
+                    <p:cTn id="19" fill="hold">
+                      <p:stCondLst>
+                        <p:cond delay="indefinite"/>
+                      </p:stCondLst>
+                      <p:childTnLst>
+                        <p:par>
+                          <p:cTn id="20" fill="hold">
+                            <p:stCondLst>
+                              <p:cond delay="0"/>
+                            </p:stCondLst>
+                            <p:childTnLst>
+                              <p:par>
+                                <p:cTn id="21" presetID="1" presetClass="entr" presetSubtype="0" fill="hold" grpId="0" nodeType="clickEffect">
+                                  <p:stCondLst>
+                                    <p:cond delay="0"/>
+                                  </p:stCondLst>
+                                  <p:childTnLst>
+                                    <p:set>
+                                      <p:cBhvr>
+                                        <p:cTn id="22" dur="1" fill="hold">
+                                          <p:stCondLst>
+                                            <p:cond delay="0"/>
+                                          </p:stCondLst>
+                                        </p:cTn>
+                                        <p:tgtEl>
+                                          <p:spTgt spid="3">
+                                            <p:txEl>
+                                              <p:pRg st="4" end="4"/>
+                                            </p:txEl>
+                                          </p:spTgt>
+                                        </p:tgtEl>
+                                        <p:attrNameLst>
+                                          <p:attrName>style.visibility</p:attrName>
+                                        </p:attrNameLst>
+                                      </p:cBhvr>
+                                      <p:to>
+                                        <p:strVal val="visible"/>
+                                      </p:to>
+                                    </p:set>
+                                  </p:childTnLst>
+                                </p:cTn>
+                              </p:par>
+                            </p:childTnLst>
+                          </p:cTn>
+                        </p:par>
+                      </p:childTnLst>
+                    </p:cTn>
+                  </p:par>
+                  <p:par>
+                    <p:cTn id="23" fill="hold">
+                      <p:stCondLst>
+                        <p:cond delay="indefinite"/>
+                      </p:stCondLst>
+                      <p:childTnLst>
+                        <p:par>
+                          <p:cTn id="24" fill="hold">
+                            <p:stCondLst>
+                              <p:cond delay="0"/>
+                            </p:stCondLst>
+                            <p:childTnLst>
+                              <p:par>
+                                <p:cTn id="25" presetID="1" presetClass="entr" presetSubtype="0" fill="hold" grpId="0" nodeType="clickEffect">
+                                  <p:stCondLst>
+                                    <p:cond delay="0"/>
+                                  </p:stCondLst>
+                                  <p:childTnLst>
+                                    <p:set>
+                                      <p:cBhvr>
+                                        <p:cTn id="26" dur="1" fill="hold">
+                                          <p:stCondLst>
+                                            <p:cond delay="0"/>
+                                          </p:stCondLst>
+                                        </p:cTn>
+                                        <p:tgtEl>
+                                          <p:spTgt spid="3">
+                                            <p:txEl>
+                                              <p:pRg st="5" end="5"/>
+                                            </p:txEl>
+                                          </p:spTgt>
+                                        </p:tgtEl>
+                                        <p:attrNameLst>
+                                          <p:attrName>style.visibility</p:attrName>
+                                        </p:attrNameLst>
+                                      </p:cBhvr>
+                                      <p:to>
+                                        <p:strVal val="visible"/>
+                                      </p:to>
+                                    </p:set>
+                                  </p:childTnLst>
+                                </p:cTn>
+                              </p:par>
+                            </p:childTnLst>
+                          </p:cTn>
+                        </p:par>
+                      </p:childTnLst>
+                    </p:cTn>
+                  </p:par>
+                  <p:par>
+                    <p:cTn id="27" fill="hold">
+                      <p:stCondLst>
+                        <p:cond delay="indefinite"/>
+                      </p:stCondLst>
+                      <p:childTnLst>
+                        <p:par>
+                          <p:cTn id="28" fill="hold">
+                            <p:stCondLst>
+                              <p:cond delay="0"/>
+                            </p:stCondLst>
+                            <p:childTnLst>
+                              <p:par>
+                                <p:cTn id="29" presetID="1" presetClass="entr" presetSubtype="0" fill="hold" grpId="0" nodeType="clickEffect">
+                                  <p:stCondLst>
+                                    <p:cond delay="0"/>
+                                  </p:stCondLst>
+                                  <p:childTnLst>
+                                    <p:set>
+                                      <p:cBhvr>
+                                        <p:cTn id="30" dur="1" fill="hold">
+                                          <p:stCondLst>
+                                            <p:cond delay="0"/>
+                                          </p:stCondLst>
+                                        </p:cTn>
+                                        <p:tgtEl>
+                                          <p:spTgt spid="3">
+                                            <p:txEl>
+                                              <p:pRg st="6" end="6"/>
+                                            </p:txEl>
+                                          </p:spTgt>
+                                        </p:tgtEl>
+                                        <p:attrNameLst>
+                                          <p:attrName>style.visibility</p:attrName>
+                                        </p:attrNameLst>
+                                      </p:cBhvr>
+                                      <p:to>
+                                        <p:strVal val="visible"/>
+                                      </p:to>
+                                    </p:set>
+                                  </p:childTnLst>
+                                </p:cTn>
+                              </p:par>
+                            </p:childTnLst>
+                          </p:cTn>
+                        </p:par>
+                      </p:childTnLst>
+                    </p:cTn>
+                  </p:par>
+                  <p:par>
+                    <p:cTn id="31" fill="hold">
+                      <p:stCondLst>
+                        <p:cond delay="indefinite"/>
+                      </p:stCondLst>
+                      <p:childTnLst>
+                        <p:par>
+                          <p:cTn id="32" fill="hold">
+                            <p:stCondLst>
+                              <p:cond delay="0"/>
+                            </p:stCondLst>
+                            <p:childTnLst>
+                              <p:par>
+                                <p:cTn id="33" presetID="1" presetClass="entr" presetSubtype="0" fill="hold" grpId="0" nodeType="clickEffect">
+                                  <p:stCondLst>
+                                    <p:cond delay="0"/>
+                                  </p:stCondLst>
+                                  <p:childTnLst>
+                                    <p:set>
+                                      <p:cBhvr>
+                                        <p:cTn id="34" dur="1" fill="hold">
+                                          <p:stCondLst>
+                                            <p:cond delay="0"/>
+                                          </p:stCondLst>
+                                        </p:cTn>
+                                        <p:tgtEl>
+                                          <p:spTgt spid="3">
+                                            <p:txEl>
+                                              <p:pRg st="7" end="7"/>
+                                            </p:txEl>
+                                          </p:spTgt>
+                                        </p:tgtEl>
+                                        <p:attrNameLst>
+                                          <p:attrName>style.visibility</p:attrName>
+                                        </p:attrNameLst>
+                                      </p:cBhvr>
+                                      <p:to>
+                                        <p:strVal val="visible"/>
+                                      </p:to>
+                                    </p:set>
+                                  </p:childTnLst>
+                                </p:cTn>
+                              </p:par>
+                            </p:childTnLst>
+                          </p:cTn>
+                        </p:par>
+                      </p:childTnLst>
+                    </p:cTn>
+                  </p:par>
+                  <p:par>
+                    <p:cTn id="35" fill="hold">
+                      <p:stCondLst>
+                        <p:cond delay="indefinite"/>
+                      </p:stCondLst>
+                      <p:childTnLst>
+                        <p:par>
+                          <p:cTn id="36" fill="hold">
+                            <p:stCondLst>
+                              <p:cond delay="0"/>
+                            </p:stCondLst>
+                            <p:childTnLst>
+                              <p:par>
+                                <p:cTn id="37" presetID="1" presetClass="entr" presetSubtype="0" fill="hold" grpId="0" nodeType="clickEffect">
+                                  <p:stCondLst>
+                                    <p:cond delay="0"/>
+                                  </p:stCondLst>
+                                  <p:childTnLst>
+                                    <p:set>
+                                      <p:cBhvr>
+                                        <p:cTn id="38" dur="1" fill="hold">
+                                          <p:stCondLst>
+                                            <p:cond delay="0"/>
+                                          </p:stCondLst>
+                                        </p:cTn>
+                                        <p:tgtEl>
+                                          <p:spTgt spid="3">
+                                            <p:txEl>
+                                              <p:pRg st="8" end="8"/>
+                                            </p:txEl>
+                                          </p:spTgt>
+                                        </p:tgtEl>
+                                        <p:attrNameLst>
+                                          <p:attrName>style.visibility</p:attrName>
+                                        </p:attrNameLst>
+                                      </p:cBhvr>
+                                      <p:to>
+                                        <p:strVal val="visible"/>
+                                      </p:to>
+                                    </p:set>
+                                  </p:childTnLst>
+                                </p:cTn>
+                              </p:par>
+                            </p:childTnLst>
+                          </p:cTn>
+                        </p:par>
+                      </p:childTnLst>
+                    </p:cTn>
+                  </p:par>
+                </p:childTnLst>
+              </p:cTn>
+              <p:prevCondLst>
+                <p:cond evt="onPrev" delay="0">
+                  <p:tgtEl>
+                    <p:sldTgt/>
+                  </p:tgtEl>
+                </p:cond>
+              </p:prevCondLst>
+              <p:nextCondLst>
+                <p:cond evt="onNext" delay="0">
+                  <p:tgtEl>
+                    <p:sldTgt/>
+                  </p:tgtEl>
+                </p:cond>
+              </p:nextCondLst>
+            </p:seq>
+          </p:childTnLst>
+        </p:cTn>
+      </p:par>
+    </p:tnLst>
+    <p:bldLst>
+      <p:bldP spid="3" grpId="0" build="p" bldLvl="3"/>
+    </p:bldLst>
+  </p:timing>
 </p:sld>
 </file>
 
@@ -6330,7 +7289,7 @@
           <a:bodyPr rtlCol="0" anchor="t"/>
           <a:lstStyle/>
           <a:p>
-            <a:pPr marL="0" indent="0">
+            <a:pPr marL="0" indent="0" algn="ctr">
               <a:buNone/>
             </a:pPr>
             <a:r>
@@ -6503,6 +7462,229 @@
   <p:clrMapOvr>
     <a:masterClrMapping/>
   </p:clrMapOvr>
+  <p:timing>
+    <p:tnLst>
+      <p:par>
+        <p:cTn id="1" dur="indefinite" restart="never" nodeType="tmRoot">
+          <p:childTnLst>
+            <p:seq concurrent="1" nextAc="seek">
+              <p:cTn id="2" dur="indefinite" nodeType="mainSeq">
+                <p:childTnLst>
+                  <p:par>
+                    <p:cTn id="3" fill="hold">
+                      <p:stCondLst>
+                        <p:cond delay="indefinite"/>
+                      </p:stCondLst>
+                      <p:childTnLst>
+                        <p:par>
+                          <p:cTn id="4" fill="hold">
+                            <p:stCondLst>
+                              <p:cond delay="0"/>
+                            </p:stCondLst>
+                            <p:childTnLst>
+                              <p:par>
+                                <p:cTn id="5" presetID="1" presetClass="entr" presetSubtype="0" fill="hold" grpId="0" nodeType="clickEffect">
+                                  <p:stCondLst>
+                                    <p:cond delay="0"/>
+                                  </p:stCondLst>
+                                  <p:childTnLst>
+                                    <p:set>
+                                      <p:cBhvr>
+                                        <p:cTn id="6" dur="1" fill="hold">
+                                          <p:stCondLst>
+                                            <p:cond delay="0"/>
+                                          </p:stCondLst>
+                                        </p:cTn>
+                                        <p:tgtEl>
+                                          <p:spTgt spid="3">
+                                            <p:txEl>
+                                              <p:pRg st="0" end="0"/>
+                                            </p:txEl>
+                                          </p:spTgt>
+                                        </p:tgtEl>
+                                        <p:attrNameLst>
+                                          <p:attrName>style.visibility</p:attrName>
+                                        </p:attrNameLst>
+                                      </p:cBhvr>
+                                      <p:to>
+                                        <p:strVal val="visible"/>
+                                      </p:to>
+                                    </p:set>
+                                  </p:childTnLst>
+                                </p:cTn>
+                              </p:par>
+                            </p:childTnLst>
+                          </p:cTn>
+                        </p:par>
+                      </p:childTnLst>
+                    </p:cTn>
+                  </p:par>
+                  <p:par>
+                    <p:cTn id="7" fill="hold">
+                      <p:stCondLst>
+                        <p:cond delay="indefinite"/>
+                      </p:stCondLst>
+                      <p:childTnLst>
+                        <p:par>
+                          <p:cTn id="8" fill="hold">
+                            <p:stCondLst>
+                              <p:cond delay="0"/>
+                            </p:stCondLst>
+                            <p:childTnLst>
+                              <p:par>
+                                <p:cTn id="9" presetID="1" presetClass="entr" presetSubtype="0" fill="hold" grpId="0" nodeType="clickEffect">
+                                  <p:stCondLst>
+                                    <p:cond delay="0"/>
+                                  </p:stCondLst>
+                                  <p:childTnLst>
+                                    <p:set>
+                                      <p:cBhvr>
+                                        <p:cTn id="10" dur="1" fill="hold">
+                                          <p:stCondLst>
+                                            <p:cond delay="0"/>
+                                          </p:stCondLst>
+                                        </p:cTn>
+                                        <p:tgtEl>
+                                          <p:spTgt spid="3">
+                                            <p:txEl>
+                                              <p:pRg st="1" end="1"/>
+                                            </p:txEl>
+                                          </p:spTgt>
+                                        </p:tgtEl>
+                                        <p:attrNameLst>
+                                          <p:attrName>style.visibility</p:attrName>
+                                        </p:attrNameLst>
+                                      </p:cBhvr>
+                                      <p:to>
+                                        <p:strVal val="visible"/>
+                                      </p:to>
+                                    </p:set>
+                                  </p:childTnLst>
+                                </p:cTn>
+                              </p:par>
+                            </p:childTnLst>
+                          </p:cTn>
+                        </p:par>
+                      </p:childTnLst>
+                    </p:cTn>
+                  </p:par>
+                  <p:par>
+                    <p:cTn id="11" fill="hold">
+                      <p:stCondLst>
+                        <p:cond delay="indefinite"/>
+                      </p:stCondLst>
+                      <p:childTnLst>
+                        <p:par>
+                          <p:cTn id="12" fill="hold">
+                            <p:stCondLst>
+                              <p:cond delay="0"/>
+                            </p:stCondLst>
+                            <p:childTnLst>
+                              <p:par>
+                                <p:cTn id="13" presetID="1" presetClass="entr" presetSubtype="0" fill="hold" grpId="0" nodeType="clickEffect">
+                                  <p:stCondLst>
+                                    <p:cond delay="0"/>
+                                  </p:stCondLst>
+                                  <p:childTnLst>
+                                    <p:set>
+                                      <p:cBhvr>
+                                        <p:cTn id="14" dur="1" fill="hold">
+                                          <p:stCondLst>
+                                            <p:cond delay="0"/>
+                                          </p:stCondLst>
+                                        </p:cTn>
+                                        <p:tgtEl>
+                                          <p:spTgt spid="7"/>
+                                        </p:tgtEl>
+                                        <p:attrNameLst>
+                                          <p:attrName>style.visibility</p:attrName>
+                                        </p:attrNameLst>
+                                      </p:cBhvr>
+                                      <p:to>
+                                        <p:strVal val="visible"/>
+                                      </p:to>
+                                    </p:set>
+                                  </p:childTnLst>
+                                </p:cTn>
+                              </p:par>
+                            </p:childTnLst>
+                          </p:cTn>
+                        </p:par>
+                      </p:childTnLst>
+                    </p:cTn>
+                  </p:par>
+                  <p:par>
+                    <p:cTn id="15" fill="hold">
+                      <p:stCondLst>
+                        <p:cond delay="indefinite"/>
+                      </p:stCondLst>
+                      <p:childTnLst>
+                        <p:par>
+                          <p:cTn id="16" fill="hold">
+                            <p:stCondLst>
+                              <p:cond delay="0"/>
+                            </p:stCondLst>
+                            <p:childTnLst>
+                              <p:par>
+                                <p:cTn id="17" presetID="1" presetClass="entr" presetSubtype="0" fill="hold" grpId="0" nodeType="clickEffect">
+                                  <p:stCondLst>
+                                    <p:cond delay="0"/>
+                                  </p:stCondLst>
+                                  <p:childTnLst>
+                                    <p:set>
+                                      <p:cBhvr>
+                                        <p:cTn id="18" dur="1" fill="hold">
+                                          <p:stCondLst>
+                                            <p:cond delay="0"/>
+                                          </p:stCondLst>
+                                        </p:cTn>
+                                        <p:tgtEl>
+                                          <p:spTgt spid="8"/>
+                                        </p:tgtEl>
+                                        <p:attrNameLst>
+                                          <p:attrName>style.visibility</p:attrName>
+                                        </p:attrNameLst>
+                                      </p:cBhvr>
+                                      <p:to>
+                                        <p:strVal val="visible"/>
+                                      </p:to>
+                                    </p:set>
+                                  </p:childTnLst>
+                                </p:cTn>
+                              </p:par>
+                            </p:childTnLst>
+                          </p:cTn>
+                        </p:par>
+                      </p:childTnLst>
+                    </p:cTn>
+                  </p:par>
+                </p:childTnLst>
+              </p:cTn>
+              <p:prevCondLst>
+                <p:cond evt="onPrev" delay="0">
+                  <p:tgtEl>
+                    <p:sldTgt/>
+                  </p:tgtEl>
+                </p:cond>
+              </p:prevCondLst>
+              <p:nextCondLst>
+                <p:cond evt="onNext" delay="0">
+                  <p:tgtEl>
+                    <p:sldTgt/>
+                  </p:tgtEl>
+                </p:cond>
+              </p:nextCondLst>
+            </p:seq>
+          </p:childTnLst>
+        </p:cTn>
+      </p:par>
+    </p:tnLst>
+    <p:bldLst>
+      <p:bldP spid="3" grpId="0" build="p"/>
+      <p:bldP spid="7" grpId="0" animBg="1"/>
+      <p:bldP spid="8" grpId="0" animBg="1"/>
+    </p:bldLst>
+  </p:timing>
 </p:sld>
 </file>
 
@@ -6676,70 +7858,6 @@
           <a:p>
             <a:pPr algn="ctr"/>
             <a:endParaRPr lang="en-US"/>
-          </a:p>
-        </p:txBody>
-      </p:sp>
-      <p:sp>
-        <p:nvSpPr>
-          <p:cNvPr id="3" name="Content Placeholder 2">
-            <a:extLst>
-              <a:ext uri="{FF2B5EF4-FFF2-40B4-BE49-F238E27FC236}">
-                <a16:creationId xmlns:a16="http://schemas.microsoft.com/office/drawing/2014/main" id="{4C38FBA3-6230-27C4-3E64-C365877F840B}"/>
-              </a:ext>
-            </a:extLst>
-          </p:cNvPr>
-          <p:cNvSpPr>
-            <a:spLocks noGrp="1"/>
-          </p:cNvSpPr>
-          <p:nvPr>
-            <p:ph idx="1"/>
-          </p:nvPr>
-        </p:nvSpPr>
-        <p:spPr>
-          <a:xfrm>
-            <a:off x="568102" y="799000"/>
-            <a:ext cx="8015496" cy="520753"/>
-          </a:xfrm>
-        </p:spPr>
-        <p:txBody>
-          <a:bodyPr/>
-          <a:lstStyle/>
-          <a:p>
-            <a:pPr marL="0" indent="0">
-              <a:buNone/>
-            </a:pPr>
-            <a:r>
-              <a:rPr lang="en-US" sz="2400" dirty="0">
-                <a:solidFill>
-                  <a:schemeClr val="tx1"/>
-                </a:solidFill>
-                <a:latin typeface="Consolas" panose="020B0609020204030204" pitchFamily="49" charset="0"/>
-              </a:rPr>
-              <a:t>int printf(const char </a:t>
-            </a:r>
-            <a:r>
-              <a:rPr lang="en-US" sz="2400" i="1" dirty="0">
-                <a:solidFill>
-                  <a:schemeClr val="tx1"/>
-                </a:solidFill>
-                <a:latin typeface="Consolas" panose="020B0609020204030204" pitchFamily="49" charset="0"/>
-              </a:rPr>
-              <a:t>* format string</a:t>
-            </a:r>
-            <a:r>
-              <a:rPr lang="en-US" sz="2400" dirty="0">
-                <a:solidFill>
-                  <a:schemeClr val="tx1"/>
-                </a:solidFill>
-                <a:latin typeface="Consolas" panose="020B0609020204030204" pitchFamily="49" charset="0"/>
-              </a:rPr>
-              <a:t>, ...);</a:t>
-            </a:r>
-            <a:endParaRPr lang="en-US" dirty="0">
-              <a:solidFill>
-                <a:schemeClr val="tx1"/>
-              </a:solidFill>
-            </a:endParaRPr>
           </a:p>
         </p:txBody>
       </p:sp>
@@ -7904,6 +9022,70 @@
           </a:ln>
         </p:spPr>
       </p:cxnSp>
+      <p:sp>
+        <p:nvSpPr>
+          <p:cNvPr id="3" name="Content Placeholder 2">
+            <a:extLst>
+              <a:ext uri="{FF2B5EF4-FFF2-40B4-BE49-F238E27FC236}">
+                <a16:creationId xmlns:a16="http://schemas.microsoft.com/office/drawing/2014/main" id="{4C38FBA3-6230-27C4-3E64-C365877F840B}"/>
+              </a:ext>
+            </a:extLst>
+          </p:cNvPr>
+          <p:cNvSpPr>
+            <a:spLocks noGrp="1"/>
+          </p:cNvSpPr>
+          <p:nvPr>
+            <p:ph idx="1"/>
+          </p:nvPr>
+        </p:nvSpPr>
+        <p:spPr>
+          <a:xfrm>
+            <a:off x="568102" y="799000"/>
+            <a:ext cx="8015496" cy="520753"/>
+          </a:xfrm>
+        </p:spPr>
+        <p:txBody>
+          <a:bodyPr/>
+          <a:lstStyle/>
+          <a:p>
+            <a:pPr marL="0" indent="0">
+              <a:buNone/>
+            </a:pPr>
+            <a:r>
+              <a:rPr lang="en-US" sz="2400" dirty="0">
+                <a:solidFill>
+                  <a:schemeClr val="tx1"/>
+                </a:solidFill>
+                <a:latin typeface="Consolas" panose="020B0609020204030204" pitchFamily="49" charset="0"/>
+              </a:rPr>
+              <a:t>int printf(const char </a:t>
+            </a:r>
+            <a:r>
+              <a:rPr lang="en-US" sz="2400" i="1" dirty="0">
+                <a:solidFill>
+                  <a:schemeClr val="tx1"/>
+                </a:solidFill>
+                <a:latin typeface="Consolas" panose="020B0609020204030204" pitchFamily="49" charset="0"/>
+              </a:rPr>
+              <a:t>* format string</a:t>
+            </a:r>
+            <a:r>
+              <a:rPr lang="en-US" sz="2400" dirty="0">
+                <a:solidFill>
+                  <a:schemeClr val="tx1"/>
+                </a:solidFill>
+                <a:latin typeface="Consolas" panose="020B0609020204030204" pitchFamily="49" charset="0"/>
+              </a:rPr>
+              <a:t>, ...);</a:t>
+            </a:r>
+            <a:endParaRPr lang="en-US" dirty="0">
+              <a:solidFill>
+                <a:schemeClr val="tx1"/>
+              </a:solidFill>
+            </a:endParaRPr>
+          </a:p>
+        </p:txBody>
+      </p:sp>
     </p:spTree>
     <p:extLst>
       <p:ext uri="{BB962C8B-B14F-4D97-AF65-F5344CB8AC3E}">
@@ -7948,7 +9130,7 @@
                                           </p:stCondLst>
                                         </p:cTn>
                                         <p:tgtEl>
-                                          <p:spTgt spid="7"/>
+                                          <p:spTgt spid="9"/>
                                         </p:tgtEl>
                                         <p:attrNameLst>
                                           <p:attrName>style.visibility</p:attrName>
@@ -7988,66 +9170,21 @@
                                   </p:childTnLst>
                                 </p:cTn>
                               </p:par>
-                            </p:childTnLst>
-                          </p:cTn>
-                        </p:par>
-                      </p:childTnLst>
-                    </p:cTn>
-                  </p:par>
-                  <p:par>
-                    <p:cTn id="9" fill="hold">
-                      <p:stCondLst>
-                        <p:cond delay="indefinite"/>
-                      </p:stCondLst>
-                      <p:childTnLst>
-                        <p:par>
-                          <p:cTn id="10" fill="hold">
-                            <p:stCondLst>
-                              <p:cond delay="0"/>
-                            </p:stCondLst>
-                            <p:childTnLst>
                               <p:par>
-                                <p:cTn id="11" presetID="1" presetClass="entr" presetSubtype="0" fill="hold" grpId="0" nodeType="clickEffect">
+                                <p:cTn id="9" presetID="1" presetClass="entr" presetSubtype="0" fill="hold" grpId="0" nodeType="withEffect">
                                   <p:stCondLst>
                                     <p:cond delay="0"/>
                                   </p:stCondLst>
                                   <p:childTnLst>
                                     <p:set>
                                       <p:cBhvr>
-                                        <p:cTn id="12" dur="1" fill="hold">
+                                        <p:cTn id="10" dur="1" fill="hold">
                                           <p:stCondLst>
                                             <p:cond delay="0"/>
                                           </p:stCondLst>
                                         </p:cTn>
                                         <p:tgtEl>
-                                          <p:spTgt spid="13"/>
-                                        </p:tgtEl>
-                                        <p:attrNameLst>
-                                          <p:attrName>style.visibility</p:attrName>
-                                        </p:attrNameLst>
-                                      </p:cBhvr>
-                                      <p:to>
-                                        <p:strVal val="visible"/>
-                                      </p:to>
-                                    </p:set>
-                                  </p:childTnLst>
-                                </p:cTn>
-                              </p:par>
-                              <p:par>
-                                <p:cTn id="13" presetID="1" presetClass="entr" presetSubtype="0" fill="hold" nodeType="withEffect">
-                                  <p:stCondLst>
-                                    <p:cond delay="0"/>
-                                  </p:stCondLst>
-                                  <p:childTnLst>
-                                    <p:set>
-                                      <p:cBhvr>
-                                        <p:cTn id="14" dur="1" fill="hold">
-                                          <p:stCondLst>
-                                            <p:cond delay="0"/>
-                                          </p:stCondLst>
-                                        </p:cTn>
-                                        <p:tgtEl>
-                                          <p:spTgt spid="14"/>
+                                          <p:spTgt spid="7"/>
                                         </p:tgtEl>
                                         <p:attrNameLst>
                                           <p:attrName>style.visibility</p:attrName>
@@ -8067,32 +9204,32 @@
                     </p:cTn>
                   </p:par>
                   <p:par>
-                    <p:cTn id="15" fill="hold">
+                    <p:cTn id="11" fill="hold">
                       <p:stCondLst>
                         <p:cond delay="indefinite"/>
                       </p:stCondLst>
                       <p:childTnLst>
                         <p:par>
-                          <p:cTn id="16" fill="hold">
+                          <p:cTn id="12" fill="hold">
                             <p:stCondLst>
                               <p:cond delay="0"/>
                             </p:stCondLst>
                             <p:childTnLst>
                               <p:par>
-                                <p:cTn id="17" presetID="1" presetClass="entr" presetSubtype="0" fill="hold" grpId="0" nodeType="clickEffect">
+                                <p:cTn id="13" presetID="1" presetClass="entr" presetSubtype="0" fill="hold" grpId="0" nodeType="clickEffect">
                                   <p:stCondLst>
                                     <p:cond delay="0"/>
                                   </p:stCondLst>
                                   <p:childTnLst>
                                     <p:set>
                                       <p:cBhvr>
-                                        <p:cTn id="18" dur="1" fill="hold">
+                                        <p:cTn id="14" dur="1" fill="hold">
                                           <p:stCondLst>
                                             <p:cond delay="0"/>
                                           </p:stCondLst>
                                         </p:cTn>
                                         <p:tgtEl>
-                                          <p:spTgt spid="24"/>
+                                          <p:spTgt spid="10"/>
                                         </p:tgtEl>
                                         <p:attrNameLst>
                                           <p:attrName>style.visibility</p:attrName>
@@ -8106,20 +9243,146 @@
                                 </p:cTn>
                               </p:par>
                               <p:par>
-                                <p:cTn id="19" presetID="1" presetClass="entr" presetSubtype="0" fill="hold" nodeType="withEffect">
+                                <p:cTn id="15" presetID="1" presetClass="entr" presetSubtype="0" fill="hold" nodeType="withEffect">
                                   <p:stCondLst>
                                     <p:cond delay="0"/>
                                   </p:stCondLst>
                                   <p:childTnLst>
                                     <p:set>
                                       <p:cBhvr>
-                                        <p:cTn id="20" dur="1" fill="hold">
+                                        <p:cTn id="16" dur="1" fill="hold">
+                                          <p:stCondLst>
+                                            <p:cond delay="0"/>
+                                          </p:stCondLst>
+                                        </p:cTn>
+                                        <p:tgtEl>
+                                          <p:spTgt spid="14"/>
+                                        </p:tgtEl>
+                                        <p:attrNameLst>
+                                          <p:attrName>style.visibility</p:attrName>
+                                        </p:attrNameLst>
+                                      </p:cBhvr>
+                                      <p:to>
+                                        <p:strVal val="visible"/>
+                                      </p:to>
+                                    </p:set>
+                                  </p:childTnLst>
+                                </p:cTn>
+                              </p:par>
+                              <p:par>
+                                <p:cTn id="17" presetID="1" presetClass="entr" presetSubtype="0" fill="hold" grpId="0" nodeType="withEffect">
+                                  <p:stCondLst>
+                                    <p:cond delay="0"/>
+                                  </p:stCondLst>
+                                  <p:childTnLst>
+                                    <p:set>
+                                      <p:cBhvr>
+                                        <p:cTn id="18" dur="1" fill="hold">
+                                          <p:stCondLst>
+                                            <p:cond delay="0"/>
+                                          </p:stCondLst>
+                                        </p:cTn>
+                                        <p:tgtEl>
+                                          <p:spTgt spid="13"/>
+                                        </p:tgtEl>
+                                        <p:attrNameLst>
+                                          <p:attrName>style.visibility</p:attrName>
+                                        </p:attrNameLst>
+                                      </p:cBhvr>
+                                      <p:to>
+                                        <p:strVal val="visible"/>
+                                      </p:to>
+                                    </p:set>
+                                  </p:childTnLst>
+                                </p:cTn>
+                              </p:par>
+                            </p:childTnLst>
+                          </p:cTn>
+                        </p:par>
+                      </p:childTnLst>
+                    </p:cTn>
+                  </p:par>
+                  <p:par>
+                    <p:cTn id="19" fill="hold">
+                      <p:stCondLst>
+                        <p:cond delay="indefinite"/>
+                      </p:stCondLst>
+                      <p:childTnLst>
+                        <p:par>
+                          <p:cTn id="20" fill="hold">
+                            <p:stCondLst>
+                              <p:cond delay="0"/>
+                            </p:stCondLst>
+                            <p:childTnLst>
+                              <p:par>
+                                <p:cTn id="21" presetID="1" presetClass="entr" presetSubtype="0" fill="hold" grpId="0" nodeType="clickEffect">
+                                  <p:stCondLst>
+                                    <p:cond delay="0"/>
+                                  </p:stCondLst>
+                                  <p:childTnLst>
+                                    <p:set>
+                                      <p:cBhvr>
+                                        <p:cTn id="22" dur="1" fill="hold">
+                                          <p:stCondLst>
+                                            <p:cond delay="0"/>
+                                          </p:stCondLst>
+                                        </p:cTn>
+                                        <p:tgtEl>
+                                          <p:spTgt spid="11"/>
+                                        </p:tgtEl>
+                                        <p:attrNameLst>
+                                          <p:attrName>style.visibility</p:attrName>
+                                        </p:attrNameLst>
+                                      </p:cBhvr>
+                                      <p:to>
+                                        <p:strVal val="visible"/>
+                                      </p:to>
+                                    </p:set>
+                                  </p:childTnLst>
+                                </p:cTn>
+                              </p:par>
+                              <p:par>
+                                <p:cTn id="23" presetID="1" presetClass="entr" presetSubtype="0" fill="hold" nodeType="withEffect">
+                                  <p:stCondLst>
+                                    <p:cond delay="0"/>
+                                  </p:stCondLst>
+                                  <p:childTnLst>
+                                    <p:set>
+                                      <p:cBhvr>
+                                        <p:cTn id="24" dur="1" fill="hold">
                                           <p:stCondLst>
                                             <p:cond delay="0"/>
                                           </p:stCondLst>
                                         </p:cTn>
                                         <p:tgtEl>
                                           <p:spTgt spid="25"/>
+                                        </p:tgtEl>
+                                        <p:attrNameLst>
+                                          <p:attrName>style.visibility</p:attrName>
+                                        </p:attrNameLst>
+                                      </p:cBhvr>
+                                      <p:to>
+                                        <p:strVal val="visible"/>
+                                      </p:to>
+                                    </p:set>
+                                  </p:childTnLst>
+                                </p:cTn>
+                              </p:par>
+                              <p:par>
+                                <p:cTn id="25" presetID="1" presetClass="entr" presetSubtype="0" fill="hold" grpId="0" nodeType="withEffect">
+                                  <p:stCondLst>
+                                    <p:cond delay="0"/>
+                                  </p:stCondLst>
+                                  <p:childTnLst>
+                                    <p:set>
+                                      <p:cBhvr>
+                                        <p:cTn id="26" dur="1" fill="hold">
+                                          <p:stCondLst>
+                                            <p:cond delay="0"/>
+                                          </p:stCondLst>
+                                        </p:cTn>
+                                        <p:tgtEl>
+                                          <p:spTgt spid="24"/>
                                         </p:tgtEl>
                                         <p:attrNameLst>
                                           <p:attrName>style.visibility</p:attrName>
@@ -8160,6 +9423,9 @@
       </p:par>
     </p:tnLst>
     <p:bldLst>
+      <p:bldP spid="9" grpId="0" animBg="1"/>
+      <p:bldP spid="10" grpId="0" animBg="1"/>
+      <p:bldP spid="11" grpId="0" animBg="1"/>
       <p:bldP spid="7" grpId="0" animBg="1"/>
       <p:bldP spid="13" grpId="0" animBg="1"/>
       <p:bldP spid="24" grpId="0" animBg="1"/>
@@ -10161,7 +11427,7 @@
         </p:nvSpPr>
         <p:spPr>
           <a:xfrm>
-            <a:off x="5297864" y="1841670"/>
+            <a:off x="5297864" y="1832961"/>
             <a:ext cx="3278034" cy="264412"/>
           </a:xfrm>
           <a:prstGeom prst="rect">
@@ -10375,7 +11641,7 @@
         </p:nvSpPr>
         <p:spPr>
           <a:xfrm>
-            <a:off x="5297864" y="2365919"/>
+            <a:off x="5297864" y="2357210"/>
             <a:ext cx="3278034" cy="264412"/>
           </a:xfrm>
           <a:prstGeom prst="rect">
@@ -11017,7 +12283,7 @@
         </p:nvSpPr>
         <p:spPr>
           <a:xfrm>
-            <a:off x="5297864" y="2101507"/>
+            <a:off x="5297864" y="2092798"/>
             <a:ext cx="3278034" cy="264412"/>
           </a:xfrm>
           <a:prstGeom prst="rect">
@@ -14363,14 +15629,39 @@
             <a:pPr lvl="1"/>
             <a:r>
               <a:rPr lang="en-US" dirty="0"/>
-              <a:t>Used to reach character, string, numeric data from keyboard</a:t>
+              <a:t>Used to read character, string, numeric data from keyboard</a:t>
             </a:r>
           </a:p>
           <a:p>
             <a:pPr lvl="1"/>
             <a:r>
               <a:rPr lang="en-US" dirty="0"/>
-              <a:t>Again, if you want to use it in your program you have to include the header</a:t>
+              <a:t>Again, if you want to use it in your program you have to include the header ( </a:t>
+            </a:r>
+            <a:r>
+              <a:rPr lang="en-US" dirty="0">
+                <a:latin typeface="Consolas" panose="020B0609020204030204" pitchFamily="49" charset="0"/>
+                <a:cs typeface="Consolas" panose="020B0609020204030204" pitchFamily="49" charset="0"/>
+              </a:rPr>
+              <a:t>#include &lt;</a:t>
+            </a:r>
+            <a:r>
+              <a:rPr lang="en-US" dirty="0" err="1">
+                <a:latin typeface="Consolas" panose="020B0609020204030204" pitchFamily="49" charset="0"/>
+                <a:cs typeface="Consolas" panose="020B0609020204030204" pitchFamily="49" charset="0"/>
+              </a:rPr>
+              <a:t>stdio.h</a:t>
+            </a:r>
+            <a:r>
+              <a:rPr lang="en-US" dirty="0">
+                <a:latin typeface="Consolas" panose="020B0609020204030204" pitchFamily="49" charset="0"/>
+                <a:cs typeface="Consolas" panose="020B0609020204030204" pitchFamily="49" charset="0"/>
+              </a:rPr>
+              <a:t>&gt;</a:t>
+            </a:r>
+            <a:r>
+              <a:rPr lang="en-US" dirty="0"/>
+              <a:t> )</a:t>
             </a:r>
           </a:p>
           <a:p>
@@ -14433,7 +15724,7 @@
                                           </p:stCondLst>
                                         </p:cTn>
                                         <p:tgtEl>
-                                          <p:spTgt spid="11"/>
+                                          <p:spTgt spid="8"/>
                                         </p:tgtEl>
                                         <p:attrNameLst>
                                           <p:attrName>style.visibility</p:attrName>
@@ -14473,66 +15764,21 @@
                                   </p:childTnLst>
                                 </p:cTn>
                               </p:par>
-                            </p:childTnLst>
-                          </p:cTn>
-                        </p:par>
-                      </p:childTnLst>
-                    </p:cTn>
-                  </p:par>
-                  <p:par>
-                    <p:cTn id="9" fill="hold">
-                      <p:stCondLst>
-                        <p:cond delay="indefinite"/>
-                      </p:stCondLst>
-                      <p:childTnLst>
-                        <p:par>
-                          <p:cTn id="10" fill="hold">
-                            <p:stCondLst>
-                              <p:cond delay="0"/>
-                            </p:stCondLst>
-                            <p:childTnLst>
                               <p:par>
-                                <p:cTn id="11" presetID="1" presetClass="entr" presetSubtype="0" fill="hold" grpId="0" nodeType="clickEffect">
+                                <p:cTn id="9" presetID="1" presetClass="entr" presetSubtype="0" fill="hold" grpId="0" nodeType="withEffect">
                                   <p:stCondLst>
                                     <p:cond delay="0"/>
                                   </p:stCondLst>
                                   <p:childTnLst>
                                     <p:set>
                                       <p:cBhvr>
-                                        <p:cTn id="12" dur="1" fill="hold">
+                                        <p:cTn id="10" dur="1" fill="hold">
                                           <p:stCondLst>
                                             <p:cond delay="0"/>
                                           </p:stCondLst>
                                         </p:cTn>
                                         <p:tgtEl>
-                                          <p:spTgt spid="13"/>
-                                        </p:tgtEl>
-                                        <p:attrNameLst>
-                                          <p:attrName>style.visibility</p:attrName>
-                                        </p:attrNameLst>
-                                      </p:cBhvr>
-                                      <p:to>
-                                        <p:strVal val="visible"/>
-                                      </p:to>
-                                    </p:set>
-                                  </p:childTnLst>
-                                </p:cTn>
-                              </p:par>
-                              <p:par>
-                                <p:cTn id="13" presetID="1" presetClass="entr" presetSubtype="0" fill="hold" nodeType="withEffect">
-                                  <p:stCondLst>
-                                    <p:cond delay="0"/>
-                                  </p:stCondLst>
-                                  <p:childTnLst>
-                                    <p:set>
-                                      <p:cBhvr>
-                                        <p:cTn id="14" dur="1" fill="hold">
-                                          <p:stCondLst>
-                                            <p:cond delay="0"/>
-                                          </p:stCondLst>
-                                        </p:cTn>
-                                        <p:tgtEl>
-                                          <p:spTgt spid="14"/>
+                                          <p:spTgt spid="11"/>
                                         </p:tgtEl>
                                         <p:attrNameLst>
                                           <p:attrName>style.visibility</p:attrName>
@@ -14552,32 +15798,32 @@
                     </p:cTn>
                   </p:par>
                   <p:par>
-                    <p:cTn id="15" fill="hold">
+                    <p:cTn id="11" fill="hold">
                       <p:stCondLst>
                         <p:cond delay="indefinite"/>
                       </p:stCondLst>
                       <p:childTnLst>
                         <p:par>
-                          <p:cTn id="16" fill="hold">
+                          <p:cTn id="12" fill="hold">
                             <p:stCondLst>
                               <p:cond delay="0"/>
                             </p:stCondLst>
                             <p:childTnLst>
                               <p:par>
-                                <p:cTn id="17" presetID="1" presetClass="entr" presetSubtype="0" fill="hold" grpId="0" nodeType="clickEffect">
+                                <p:cTn id="13" presetID="1" presetClass="entr" presetSubtype="0" fill="hold" grpId="0" nodeType="clickEffect">
                                   <p:stCondLst>
                                     <p:cond delay="0"/>
                                   </p:stCondLst>
                                   <p:childTnLst>
                                     <p:set>
                                       <p:cBhvr>
-                                        <p:cTn id="18" dur="1" fill="hold">
+                                        <p:cTn id="14" dur="1" fill="hold">
                                           <p:stCondLst>
                                             <p:cond delay="0"/>
                                           </p:stCondLst>
                                         </p:cTn>
                                         <p:tgtEl>
-                                          <p:spTgt spid="15"/>
+                                          <p:spTgt spid="9"/>
                                         </p:tgtEl>
                                         <p:attrNameLst>
                                           <p:attrName>style.visibility</p:attrName>
@@ -14591,20 +15837,146 @@
                                 </p:cTn>
                               </p:par>
                               <p:par>
-                                <p:cTn id="19" presetID="1" presetClass="entr" presetSubtype="0" fill="hold" nodeType="withEffect">
+                                <p:cTn id="15" presetID="1" presetClass="entr" presetSubtype="0" fill="hold" nodeType="withEffect">
                                   <p:stCondLst>
                                     <p:cond delay="0"/>
                                   </p:stCondLst>
                                   <p:childTnLst>
                                     <p:set>
                                       <p:cBhvr>
-                                        <p:cTn id="20" dur="1" fill="hold">
+                                        <p:cTn id="16" dur="1" fill="hold">
+                                          <p:stCondLst>
+                                            <p:cond delay="0"/>
+                                          </p:stCondLst>
+                                        </p:cTn>
+                                        <p:tgtEl>
+                                          <p:spTgt spid="14"/>
+                                        </p:tgtEl>
+                                        <p:attrNameLst>
+                                          <p:attrName>style.visibility</p:attrName>
+                                        </p:attrNameLst>
+                                      </p:cBhvr>
+                                      <p:to>
+                                        <p:strVal val="visible"/>
+                                      </p:to>
+                                    </p:set>
+                                  </p:childTnLst>
+                                </p:cTn>
+                              </p:par>
+                              <p:par>
+                                <p:cTn id="17" presetID="1" presetClass="entr" presetSubtype="0" fill="hold" grpId="0" nodeType="withEffect">
+                                  <p:stCondLst>
+                                    <p:cond delay="0"/>
+                                  </p:stCondLst>
+                                  <p:childTnLst>
+                                    <p:set>
+                                      <p:cBhvr>
+                                        <p:cTn id="18" dur="1" fill="hold">
+                                          <p:stCondLst>
+                                            <p:cond delay="0"/>
+                                          </p:stCondLst>
+                                        </p:cTn>
+                                        <p:tgtEl>
+                                          <p:spTgt spid="13"/>
+                                        </p:tgtEl>
+                                        <p:attrNameLst>
+                                          <p:attrName>style.visibility</p:attrName>
+                                        </p:attrNameLst>
+                                      </p:cBhvr>
+                                      <p:to>
+                                        <p:strVal val="visible"/>
+                                      </p:to>
+                                    </p:set>
+                                  </p:childTnLst>
+                                </p:cTn>
+                              </p:par>
+                            </p:childTnLst>
+                          </p:cTn>
+                        </p:par>
+                      </p:childTnLst>
+                    </p:cTn>
+                  </p:par>
+                  <p:par>
+                    <p:cTn id="19" fill="hold">
+                      <p:stCondLst>
+                        <p:cond delay="indefinite"/>
+                      </p:stCondLst>
+                      <p:childTnLst>
+                        <p:par>
+                          <p:cTn id="20" fill="hold">
+                            <p:stCondLst>
+                              <p:cond delay="0"/>
+                            </p:stCondLst>
+                            <p:childTnLst>
+                              <p:par>
+                                <p:cTn id="21" presetID="1" presetClass="entr" presetSubtype="0" fill="hold" grpId="0" nodeType="clickEffect">
+                                  <p:stCondLst>
+                                    <p:cond delay="0"/>
+                                  </p:stCondLst>
+                                  <p:childTnLst>
+                                    <p:set>
+                                      <p:cBhvr>
+                                        <p:cTn id="22" dur="1" fill="hold">
+                                          <p:stCondLst>
+                                            <p:cond delay="0"/>
+                                          </p:stCondLst>
+                                        </p:cTn>
+                                        <p:tgtEl>
+                                          <p:spTgt spid="10"/>
+                                        </p:tgtEl>
+                                        <p:attrNameLst>
+                                          <p:attrName>style.visibility</p:attrName>
+                                        </p:attrNameLst>
+                                      </p:cBhvr>
+                                      <p:to>
+                                        <p:strVal val="visible"/>
+                                      </p:to>
+                                    </p:set>
+                                  </p:childTnLst>
+                                </p:cTn>
+                              </p:par>
+                              <p:par>
+                                <p:cTn id="23" presetID="1" presetClass="entr" presetSubtype="0" fill="hold" nodeType="withEffect">
+                                  <p:stCondLst>
+                                    <p:cond delay="0"/>
+                                  </p:stCondLst>
+                                  <p:childTnLst>
+                                    <p:set>
+                                      <p:cBhvr>
+                                        <p:cTn id="24" dur="1" fill="hold">
                                           <p:stCondLst>
                                             <p:cond delay="0"/>
                                           </p:stCondLst>
                                         </p:cTn>
                                         <p:tgtEl>
                                           <p:spTgt spid="16"/>
+                                        </p:tgtEl>
+                                        <p:attrNameLst>
+                                          <p:attrName>style.visibility</p:attrName>
+                                        </p:attrNameLst>
+                                      </p:cBhvr>
+                                      <p:to>
+                                        <p:strVal val="visible"/>
+                                      </p:to>
+                                    </p:set>
+                                  </p:childTnLst>
+                                </p:cTn>
+                              </p:par>
+                              <p:par>
+                                <p:cTn id="25" presetID="1" presetClass="entr" presetSubtype="0" fill="hold" grpId="0" nodeType="withEffect">
+                                  <p:stCondLst>
+                                    <p:cond delay="0"/>
+                                  </p:stCondLst>
+                                  <p:childTnLst>
+                                    <p:set>
+                                      <p:cBhvr>
+                                        <p:cTn id="26" dur="1" fill="hold">
+                                          <p:stCondLst>
+                                            <p:cond delay="0"/>
+                                          </p:stCondLst>
+                                        </p:cTn>
+                                        <p:tgtEl>
+                                          <p:spTgt spid="15"/>
                                         </p:tgtEl>
                                         <p:attrNameLst>
                                           <p:attrName>style.visibility</p:attrName>
@@ -14645,6 +16017,9 @@
       </p:par>
     </p:tnLst>
     <p:bldLst>
+      <p:bldP spid="8" grpId="0" animBg="1"/>
+      <p:bldP spid="9" grpId="0" animBg="1"/>
+      <p:bldP spid="10" grpId="0" animBg="1"/>
       <p:bldP spid="11" grpId="0" animBg="1"/>
       <p:bldP spid="13" grpId="0" animBg="1"/>
       <p:bldP spid="15" grpId="0" animBg="1"/>

--- a/teaching/CS0449-2234/rec01.pptx
+++ b/teaching/CS0449-2234/rec01.pptx
@@ -205,7 +205,7 @@
           <a:p>
             <a:fld id="{2518A644-EF4B-4DFC-86A3-F37E532C85B5}" type="datetimeFigureOut">
               <a:rPr lang="en-US" smtClean="0"/>
-              <a:t>1/24/23</a:t>
+              <a:t>1/25/23</a:t>
             </a:fld>
             <a:endParaRPr lang="en-US"/>
           </a:p>
@@ -710,9 +710,9 @@
             </a:lvl1pPr>
           </a:lstStyle>
           <a:p>
-            <a:fld id="{AE8DEAFF-F6FE-4160-BD52-F935596BA33A}" type="datetime1">
+            <a:fld id="{5F3ADF2E-282C-A449-81FF-2FFFB0AF9773}" type="datetime3">
               <a:rPr lang="en-US" smtClean="0"/>
-              <a:t>1/24/23</a:t>
+              <a:t>25 January 2023</a:t>
             </a:fld>
             <a:endParaRPr lang="en-US" dirty="0"/>
           </a:p>
@@ -1254,9 +1254,9 @@
           <a:bodyPr/>
           <a:lstStyle/>
           <a:p>
-            <a:fld id="{4862143E-50DC-4DBB-A9AF-6D92245E0AE9}" type="datetime1">
+            <a:fld id="{E9C5DD1F-5D37-8144-8720-4D9EA0A9CA2F}" type="datetime3">
               <a:rPr lang="en-US" smtClean="0"/>
-              <a:t>1/24/23</a:t>
+              <a:t>25 January 2023</a:t>
             </a:fld>
             <a:endParaRPr lang="en-US"/>
           </a:p>
@@ -1437,9 +1437,9 @@
           <a:bodyPr/>
           <a:lstStyle/>
           <a:p>
-            <a:fld id="{1B131C9E-65BA-45DD-BDAD-20DF5FBA63A6}" type="datetime1">
+            <a:fld id="{79BF3141-E3FB-8C4F-B6CB-E62276419D70}" type="datetime3">
               <a:rPr lang="en-US" smtClean="0"/>
-              <a:t>1/24/23</a:t>
+              <a:t>25 January 2023</a:t>
             </a:fld>
             <a:endParaRPr lang="en-US"/>
           </a:p>
@@ -1652,9 +1652,9 @@
           <a:bodyPr/>
           <a:lstStyle/>
           <a:p>
-            <a:fld id="{58369C37-9A54-4268-839E-8BA271866E2C}" type="datetime1">
+            <a:fld id="{F03971C5-8978-A84C-BA66-0CA6B8531D44}" type="datetime3">
               <a:rPr lang="en-US" smtClean="0"/>
-              <a:t>1/24/23</a:t>
+              <a:t>25 January 2023</a:t>
             </a:fld>
             <a:endParaRPr lang="en-US"/>
           </a:p>
@@ -1899,9 +1899,9 @@
           <a:bodyPr/>
           <a:lstStyle/>
           <a:p>
-            <a:fld id="{26B254BF-0BA0-496D-9270-38D7695D8D39}" type="datetime1">
+            <a:fld id="{6BB3B715-6EC4-C94A-9934-42477DF3E605}" type="datetime3">
               <a:rPr lang="en-US" smtClean="0"/>
-              <a:t>1/24/23</a:t>
+              <a:t>25 January 2023</a:t>
             </a:fld>
             <a:endParaRPr lang="en-US"/>
           </a:p>
@@ -2134,9 +2134,9 @@
           <a:bodyPr/>
           <a:lstStyle/>
           <a:p>
-            <a:fld id="{FA90C4D9-856D-4F02-9C9A-6FDB7488682F}" type="datetime1">
+            <a:fld id="{2429C40D-3C6E-FE4E-ACFC-9C9BACDCD891}" type="datetime3">
               <a:rPr lang="en-US" smtClean="0"/>
-              <a:t>1/24/23</a:t>
+              <a:t>25 January 2023</a:t>
             </a:fld>
             <a:endParaRPr lang="en-US"/>
           </a:p>
@@ -2504,9 +2504,9 @@
           <a:bodyPr/>
           <a:lstStyle/>
           <a:p>
-            <a:fld id="{6EB3E15C-CD76-4422-B506-E73EE1CC849D}" type="datetime1">
+            <a:fld id="{1CCE0387-5D0F-484B-BD0F-F3C6F735945D}" type="datetime3">
               <a:rPr lang="en-US" smtClean="0"/>
-              <a:t>1/24/23</a:t>
+              <a:t>25 January 2023</a:t>
             </a:fld>
             <a:endParaRPr lang="en-US"/>
           </a:p>
@@ -2625,9 +2625,9 @@
           <a:bodyPr/>
           <a:lstStyle/>
           <a:p>
-            <a:fld id="{D7069F65-3470-466B-BEC7-52EC51CF03A6}" type="datetime1">
+            <a:fld id="{23912C6D-CA7E-D141-925C-A4BE16737F2D}" type="datetime3">
               <a:rPr lang="en-US" smtClean="0"/>
-              <a:t>1/24/23</a:t>
+              <a:t>25 January 2023</a:t>
             </a:fld>
             <a:endParaRPr lang="en-US"/>
           </a:p>
@@ -2723,9 +2723,9 @@
           <a:bodyPr/>
           <a:lstStyle/>
           <a:p>
-            <a:fld id="{3438578E-CC73-43FF-92BF-A141AF32A78A}" type="datetime1">
+            <a:fld id="{9310ABC4-B1AC-6842-9EC2-808DCB1D85D4}" type="datetime3">
               <a:rPr lang="en-US" smtClean="0"/>
-              <a:t>1/24/23</a:t>
+              <a:t>25 January 2023</a:t>
             </a:fld>
             <a:endParaRPr lang="en-US"/>
           </a:p>
@@ -3003,9 +3003,9 @@
           <a:bodyPr/>
           <a:lstStyle/>
           <a:p>
-            <a:fld id="{40A051CB-411E-4FAF-9D0F-A1249DB306D2}" type="datetime1">
+            <a:fld id="{68BA949D-6FB4-154F-B431-8611B27A07DD}" type="datetime3">
               <a:rPr lang="en-US" smtClean="0"/>
-              <a:t>1/24/23</a:t>
+              <a:t>25 January 2023</a:t>
             </a:fld>
             <a:endParaRPr lang="en-US"/>
           </a:p>
@@ -3263,9 +3263,9 @@
           <a:bodyPr/>
           <a:lstStyle/>
           <a:p>
-            <a:fld id="{5A538C38-D380-4CBD-ACA0-1BE37BD071FC}" type="datetime1">
+            <a:fld id="{61E22BF9-4E7D-4C4C-99DC-1A491AFFD645}" type="datetime3">
               <a:rPr lang="en-US" smtClean="0"/>
-              <a:t>1/24/23</a:t>
+              <a:t>25 January 2023</a:t>
             </a:fld>
             <a:endParaRPr lang="en-US"/>
           </a:p>
@@ -3481,9 +3481,9 @@
             </a:lvl1pPr>
           </a:lstStyle>
           <a:p>
-            <a:fld id="{9D108250-4699-419C-BA31-54CDAB732F31}" type="datetime1">
+            <a:fld id="{EC545853-5B67-9946-9CF1-866CB59DF9D2}" type="datetime3">
               <a:rPr lang="en-US" smtClean="0"/>
-              <a:t>1/24/23</a:t>
+              <a:t>25 January 2023</a:t>
             </a:fld>
             <a:endParaRPr lang="en-US"/>
           </a:p>
@@ -4111,7 +4111,12 @@
             <p:ph type="body" sz="quarter" idx="15"/>
           </p:nvPr>
         </p:nvSpPr>
-        <p:spPr/>
+        <p:spPr>
+          <a:xfrm>
+            <a:off x="6115050" y="0"/>
+            <a:ext cx="3028950" cy="749124"/>
+          </a:xfrm>
+        </p:spPr>
         <p:txBody>
           <a:bodyPr>
             <a:normAutofit/>
@@ -4156,7 +4161,12 @@
             <p:ph sz="quarter" idx="16"/>
           </p:nvPr>
         </p:nvSpPr>
-        <p:spPr/>
+        <p:spPr>
+          <a:xfrm>
+            <a:off x="92363" y="2185303"/>
+            <a:ext cx="3459437" cy="4154750"/>
+          </a:xfrm>
+        </p:spPr>
         <p:txBody>
           <a:bodyPr>
             <a:normAutofit/>
@@ -4320,7 +4330,7 @@
                 <a:ea typeface="Open Sans" pitchFamily="2" charset="0"/>
                 <a:cs typeface="Open Sans" pitchFamily="2" charset="0"/>
               </a:rPr>
-              <a:t>Slides adapted from </a:t>
+              <a:t>with materials from </a:t>
             </a:r>
           </a:p>
           <a:p>
@@ -4330,18 +4340,28 @@
               </a:spcBef>
             </a:pPr>
             <a:r>
-              <a:rPr lang="en-US" sz="1500">
+              <a:rPr lang="en-US" sz="1500" dirty="0">
                 <a:latin typeface="Open Sans" pitchFamily="2" charset="0"/>
                 <a:ea typeface="Open Sans" pitchFamily="2" charset="0"/>
                 <a:cs typeface="Open Sans" pitchFamily="2" charset="0"/>
               </a:rPr>
-              <a:t>&lt;&lt;SOURCE HERE&gt;&gt;</a:t>
-            </a:r>
-            <a:endParaRPr lang="en-US" sz="1500" dirty="0">
-              <a:latin typeface="Open Sans" pitchFamily="2" charset="0"/>
-              <a:ea typeface="Open Sans" pitchFamily="2" charset="0"/>
-              <a:cs typeface="Open Sans" pitchFamily="2" charset="0"/>
-            </a:endParaRPr>
+              <a:t>Tim Hoffman, Jon Misurda, and</a:t>
+            </a:r>
+          </a:p>
+          <a:p>
+            <a:pPr>
+              <a:spcBef>
+                <a:spcPts val="0"/>
+              </a:spcBef>
+            </a:pPr>
+            <a:r>
+              <a:rPr lang="en-US" sz="1500" dirty="0">
+                <a:latin typeface="Open Sans" pitchFamily="2" charset="0"/>
+                <a:ea typeface="Open Sans" pitchFamily="2" charset="0"/>
+                <a:cs typeface="Open Sans" pitchFamily="2" charset="0"/>
+              </a:rPr>
+              <a:t>Luis Oliveira</a:t>
+            </a:r>
           </a:p>
           <a:p>
             <a:pPr algn="r">
@@ -5356,9 +5376,9 @@
           <a:bodyPr/>
           <a:lstStyle/>
           <a:p>
-            <a:fld id="{B6FAA7CD-DABF-470E-A1D3-880A269608C9}" type="datetime1">
+            <a:fld id="{7F15B962-33F2-C44A-BF78-1127C923347A}" type="datetime3">
               <a:rPr lang="en-US" smtClean="0"/>
-              <a:t>1/24/23</a:t>
+              <a:t>25 January 2023</a:t>
             </a:fld>
             <a:endParaRPr lang="en-US" dirty="0"/>
           </a:p>
@@ -5501,14 +5521,30 @@
           <a:bodyPr/>
           <a:lstStyle/>
           <a:p>
+            <a:pPr marL="0" indent="0">
+              <a:buNone/>
+            </a:pPr>
             <a:r>
               <a:rPr lang="en-US" b="1" dirty="0">
                 <a:latin typeface="Open Sans" pitchFamily="2" charset="0"/>
                 <a:ea typeface="Open Sans" pitchFamily="2" charset="0"/>
                 <a:cs typeface="Open Sans" pitchFamily="2" charset="0"/>
               </a:rPr>
-              <a:t>Lab 1 Posted to GradeScope</a:t>
-            </a:r>
+              <a:t>Practice 1 posted to </a:t>
+            </a:r>
+            <a:r>
+              <a:rPr lang="en-US" b="1" dirty="0" err="1">
+                <a:latin typeface="Open Sans" pitchFamily="2" charset="0"/>
+                <a:ea typeface="Open Sans" pitchFamily="2" charset="0"/>
+                <a:cs typeface="Open Sans" pitchFamily="2" charset="0"/>
+              </a:rPr>
+              <a:t>GradeScope</a:t>
+            </a:r>
+            <a:endParaRPr lang="en-US" b="1" dirty="0">
+              <a:latin typeface="Open Sans" pitchFamily="2" charset="0"/>
+              <a:ea typeface="Open Sans" pitchFamily="2" charset="0"/>
+              <a:cs typeface="Open Sans" pitchFamily="2" charset="0"/>
+            </a:endParaRPr>
           </a:p>
           <a:p>
             <a:pPr lvl="1"/>
@@ -5518,7 +5554,7 @@
                 <a:ea typeface="Open Sans" pitchFamily="2" charset="0"/>
                 <a:cs typeface="Open Sans" pitchFamily="2" charset="0"/>
               </a:rPr>
-              <a:t>Data Representation</a:t>
+              <a:t>L1: Data Representation</a:t>
             </a:r>
           </a:p>
           <a:p>
@@ -5596,13 +5632,8 @@
             </a:r>
             <a:r>
               <a:rPr lang="en-US" dirty="0"/>
-              <a:t> </a:t>
-            </a:r>
-            <a:r>
-              <a:rPr lang="en-US" dirty="0" err="1"/>
-              <a:t>etc</a:t>
-            </a:r>
-            <a:endParaRPr lang="en-US" dirty="0"/>
+              <a:t>, etc.</a:t>
+            </a:r>
           </a:p>
           <a:p>
             <a:pPr lvl="3"/>
@@ -5657,9 +5688,9 @@
           <a:bodyPr/>
           <a:lstStyle/>
           <a:p>
-            <a:fld id="{58369C37-9A54-4268-839E-8BA271866E2C}" type="datetime1">
+            <a:fld id="{E9272D02-193D-4645-8B73-47E469FE71C3}" type="datetime3">
               <a:rPr lang="en-US" smtClean="0"/>
-              <a:t>1/24/23</a:t>
+              <a:t>25 January 2023</a:t>
             </a:fld>
             <a:endParaRPr lang="en-US"/>
           </a:p>
@@ -6350,18 +6381,24 @@
           <a:p>
             <a:pPr lvl="2"/>
             <a:r>
+              <a:rPr lang="en-US" dirty="0" err="1">
+                <a:latin typeface="Consolas" panose="020B0609020204030204" pitchFamily="49" charset="0"/>
+              </a:rPr>
+              <a:t>stdout</a:t>
+            </a:r>
+            <a:r>
               <a:rPr lang="en-US" dirty="0"/>
-              <a:t>For us, the standard output (</a:t>
-            </a:r>
-            <a:r>
-              <a:rPr lang="en-US" dirty="0" err="1">
-                <a:latin typeface="Consolas" panose="020B0609020204030204" pitchFamily="49" charset="0"/>
-              </a:rPr>
-              <a:t>stdout</a:t>
+              <a:t> </a:t>
+            </a:r>
+            <a:r>
+              <a:rPr lang="en-US" sz="1600" dirty="0">
+                <a:sym typeface="Wingdings" pitchFamily="2" charset="2"/>
+              </a:rPr>
+              <a:t></a:t>
             </a:r>
             <a:r>
               <a:rPr lang="en-US" dirty="0"/>
-              <a:t>) was the terminal </a:t>
+              <a:t> the terminal </a:t>
             </a:r>
           </a:p>
           <a:p>
@@ -6421,12 +6458,15 @@
             </a:r>
           </a:p>
           <a:p>
-            <a:pPr lvl="3"/>
-            <a:endParaRPr lang="en-US" dirty="0"/>
-          </a:p>
-          <a:p>
             <a:pPr lvl="2"/>
-            <a:endParaRPr lang="en-US" dirty="0"/>
+            <a:r>
+              <a:rPr lang="en-US" dirty="0">
+                <a:latin typeface="Open Sans" panose="020B0606030504020204" pitchFamily="34" charset="0"/>
+                <a:ea typeface="Open Sans" panose="020B0606030504020204" pitchFamily="34" charset="0"/>
+                <a:cs typeface="Open Sans" panose="020B0606030504020204" pitchFamily="34" charset="0"/>
+              </a:rPr>
+              <a:t>You will talk about how the libraries are linked to your code in lecture soon</a:t>
+            </a:r>
           </a:p>
         </p:txBody>
       </p:sp>
@@ -6451,9 +6491,9 @@
           <a:bodyPr/>
           <a:lstStyle/>
           <a:p>
-            <a:fld id="{58369C37-9A54-4268-839E-8BA271866E2C}" type="datetime1">
+            <a:fld id="{2E061507-AAA4-C742-BB55-3B1AC8DB152B}" type="datetime3">
               <a:rPr lang="en-US" smtClean="0"/>
-              <a:t>1/24/23</a:t>
+              <a:t>25 January 2023</a:t>
             </a:fld>
             <a:endParaRPr lang="en-US"/>
           </a:p>
@@ -6975,6 +7015,55 @@
                       </p:childTnLst>
                     </p:cTn>
                   </p:par>
+                  <p:par>
+                    <p:cTn id="39" fill="hold">
+                      <p:stCondLst>
+                        <p:cond delay="indefinite"/>
+                      </p:stCondLst>
+                      <p:childTnLst>
+                        <p:par>
+                          <p:cTn id="40" fill="hold">
+                            <p:stCondLst>
+                              <p:cond delay="0"/>
+                            </p:stCondLst>
+                            <p:childTnLst>
+                              <p:par>
+                                <p:cTn id="41" presetID="1" presetClass="entr" presetSubtype="0" fill="hold" grpId="0" nodeType="clickEffect">
+                                  <p:stCondLst>
+                                    <p:cond delay="0"/>
+                                  </p:stCondLst>
+                                  <p:childTnLst>
+                                    <p:set>
+                                      <p:cBhvr>
+                                        <p:cTn id="42" dur="1" fill="hold">
+                                          <p:stCondLst>
+                                            <p:cond delay="0"/>
+                                          </p:stCondLst>
+                                        </p:cTn>
+                                        <p:tgtEl>
+                                          <p:spTgt spid="3">
+                                            <p:txEl>
+                                              <p:pRg st="9" end="9"/>
+                                            </p:txEl>
+                                          </p:spTgt>
+                                        </p:tgtEl>
+                                        <p:attrNameLst>
+                                          <p:attrName>style.visibility</p:attrName>
+                                        </p:attrNameLst>
+                                      </p:cBhvr>
+                                      <p:to>
+                                        <p:strVal val="visible"/>
+                                      </p:to>
+                                    </p:set>
+                                  </p:childTnLst>
+                                </p:cTn>
+                              </p:par>
+                            </p:childTnLst>
+                          </p:cTn>
+                        </p:par>
+                      </p:childTnLst>
+                    </p:cTn>
+                  </p:par>
                 </p:childTnLst>
               </p:cTn>
               <p:prevCondLst>
@@ -7038,22 +7127,20 @@
         </p:nvSpPr>
         <p:spPr/>
         <p:txBody>
-          <a:bodyPr/>
+          <a:bodyPr>
+            <a:normAutofit fontScale="90000"/>
+          </a:bodyPr>
           <a:lstStyle/>
           <a:p>
             <a:r>
+              <a:rPr lang="en-US" dirty="0">
+                <a:latin typeface="Consolas" panose="020B0609020204030204" pitchFamily="49" charset="0"/>
+              </a:rPr>
+              <a:t>man</a:t>
+            </a:r>
+            <a:r>
               <a:rPr lang="en-US" dirty="0"/>
-              <a:t>Using </a:t>
-            </a:r>
-            <a:r>
-              <a:rPr lang="en-US" dirty="0">
-                <a:latin typeface="Consolas" panose="020B0609020204030204" pitchFamily="49" charset="0"/>
-              </a:rPr>
-              <a:t>man</a:t>
-            </a:r>
-            <a:r>
-              <a:rPr lang="en-US" dirty="0"/>
-              <a:t> to learn about functions, commands, libraries</a:t>
+              <a:t> gives us information about functions, commands, libraries</a:t>
             </a:r>
           </a:p>
         </p:txBody>
@@ -7130,9 +7217,9 @@
           <a:bodyPr/>
           <a:lstStyle/>
           <a:p>
-            <a:fld id="{58369C37-9A54-4268-839E-8BA271866E2C}" type="datetime1">
+            <a:fld id="{A58F3FD0-DCA7-1844-BC8B-E7A62B5B452A}" type="datetime3">
               <a:rPr lang="en-US" smtClean="0"/>
-              <a:t>1/24/23</a:t>
+              <a:t>25 January 2023</a:t>
             </a:fld>
             <a:endParaRPr lang="en-US"/>
           </a:p>
@@ -7916,9 +8003,9 @@
           <a:bodyPr/>
           <a:lstStyle/>
           <a:p>
-            <a:fld id="{58369C37-9A54-4268-839E-8BA271866E2C}" type="datetime1">
+            <a:fld id="{ED9E7C60-2AB9-4E48-BC8A-1689CA684695}" type="datetime3">
               <a:rPr lang="en-US" smtClean="0"/>
-              <a:t>1/24/23</a:t>
+              <a:t>25 January 2023</a:t>
             </a:fld>
             <a:endParaRPr lang="en-US"/>
           </a:p>
@@ -9483,7 +9570,7 @@
               <a:t>printf() </a:t>
             </a:r>
             <a:r>
-              <a:rPr lang="en-US" dirty="0"/>
+              <a:rPr lang="en-US" baseline="-25000" dirty="0"/>
               <a:t>(animated)</a:t>
             </a:r>
           </a:p>
@@ -9510,9 +9597,9 @@
           <a:bodyPr/>
           <a:lstStyle/>
           <a:p>
-            <a:fld id="{58369C37-9A54-4268-839E-8BA271866E2C}" type="datetime1">
+            <a:fld id="{19D6E403-68D8-124A-896F-C2136E5188F1}" type="datetime3">
               <a:rPr lang="en-US" smtClean="0"/>
-              <a:t>1/24/23</a:t>
+              <a:t>25 January 2023</a:t>
             </a:fld>
             <a:endParaRPr lang="en-US"/>
           </a:p>
@@ -9593,7 +9680,7 @@
         </p:nvSpPr>
         <p:spPr>
           <a:xfrm>
-            <a:off x="345325" y="772999"/>
+            <a:off x="580460" y="772999"/>
             <a:ext cx="4858271" cy="5299187"/>
           </a:xfrm>
           <a:solidFill>
@@ -10993,8 +11080,8 @@
         </p:nvSpPr>
         <p:spPr>
           <a:xfrm>
-            <a:off x="5297864" y="791134"/>
-            <a:ext cx="3278034" cy="264412"/>
+            <a:off x="5576545" y="791134"/>
+            <a:ext cx="3001404" cy="264412"/>
           </a:xfrm>
           <a:prstGeom prst="rect">
             <a:avLst/>
@@ -11180,7 +11267,7 @@
               <a:buNone/>
             </a:pPr>
             <a:r>
-              <a:rPr lang="en-US" sz="1700">
+              <a:rPr lang="en-US" sz="1600">
                 <a:solidFill>
                   <a:srgbClr val="E1E4E8"/>
                 </a:solidFill>
@@ -11188,7 +11275,7 @@
               </a:rPr>
               <a:t>Character is A </a:t>
             </a:r>
-            <a:endParaRPr lang="en-US" sz="1700" dirty="0">
+            <a:endParaRPr lang="en-US" sz="1600" dirty="0">
               <a:solidFill>
                 <a:srgbClr val="E1E4E8"/>
               </a:solidFill>
@@ -11213,8 +11300,8 @@
         </p:nvSpPr>
         <p:spPr>
           <a:xfrm>
-            <a:off x="5297864" y="1049827"/>
-            <a:ext cx="3278034" cy="264412"/>
+            <a:off x="5576545" y="1049827"/>
+            <a:ext cx="3001404" cy="264412"/>
           </a:xfrm>
           <a:prstGeom prst="rect">
             <a:avLst/>
@@ -11400,7 +11487,7 @@
               <a:buNone/>
             </a:pPr>
             <a:r>
-              <a:rPr lang="en-US" sz="1700" dirty="0">
+              <a:rPr lang="en-US" sz="1600" dirty="0">
                 <a:solidFill>
                   <a:srgbClr val="E1E4E8"/>
                 </a:solidFill>
@@ -11427,8 +11514,8 @@
         </p:nvSpPr>
         <p:spPr>
           <a:xfrm>
-            <a:off x="5297864" y="1832961"/>
-            <a:ext cx="3278034" cy="264412"/>
+            <a:off x="5576545" y="1832961"/>
+            <a:ext cx="3001404" cy="264412"/>
           </a:xfrm>
           <a:prstGeom prst="rect">
             <a:avLst/>
@@ -11614,7 +11701,7 @@
               <a:buNone/>
             </a:pPr>
             <a:r>
-              <a:rPr lang="en-US" sz="1700" dirty="0">
+              <a:rPr lang="en-US" sz="1600" dirty="0">
                 <a:solidFill>
                   <a:srgbClr val="E1E4E8"/>
                 </a:solidFill>
@@ -11641,8 +11728,8 @@
         </p:nvSpPr>
         <p:spPr>
           <a:xfrm>
-            <a:off x="5297864" y="2357210"/>
-            <a:ext cx="3278034" cy="264412"/>
+            <a:off x="5576545" y="2357210"/>
+            <a:ext cx="3001404" cy="264412"/>
           </a:xfrm>
           <a:prstGeom prst="rect">
             <a:avLst/>
@@ -11828,7 +11915,7 @@
               <a:buNone/>
             </a:pPr>
             <a:r>
-              <a:rPr lang="en-US" sz="1700" dirty="0">
+              <a:rPr lang="en-US" sz="1600" dirty="0">
                 <a:solidFill>
                   <a:srgbClr val="E1E4E8"/>
                 </a:solidFill>
@@ -11855,8 +11942,8 @@
         </p:nvSpPr>
         <p:spPr>
           <a:xfrm>
-            <a:off x="5297864" y="1311255"/>
-            <a:ext cx="3278034" cy="264412"/>
+            <a:off x="5576545" y="1311255"/>
+            <a:ext cx="3001404" cy="264412"/>
           </a:xfrm>
           <a:prstGeom prst="rect">
             <a:avLst/>
@@ -12042,7 +12129,7 @@
               <a:buNone/>
             </a:pPr>
             <a:r>
-              <a:rPr lang="en-US" sz="1700" dirty="0">
+              <a:rPr lang="en-US" sz="1600" dirty="0">
                 <a:solidFill>
                   <a:srgbClr val="E1E4E8"/>
                 </a:solidFill>
@@ -12069,8 +12156,8 @@
         </p:nvSpPr>
         <p:spPr>
           <a:xfrm>
-            <a:off x="5297864" y="1575667"/>
-            <a:ext cx="3278034" cy="264412"/>
+            <a:off x="5576545" y="1575667"/>
+            <a:ext cx="3001404" cy="264412"/>
           </a:xfrm>
           <a:prstGeom prst="rect">
             <a:avLst/>
@@ -12256,7 +12343,7 @@
               <a:buNone/>
             </a:pPr>
             <a:r>
-              <a:rPr lang="en-US" sz="1700" dirty="0">
+              <a:rPr lang="en-US" sz="1600" dirty="0">
                 <a:solidFill>
                   <a:srgbClr val="E1E4E8"/>
                 </a:solidFill>
@@ -12283,8 +12370,8 @@
         </p:nvSpPr>
         <p:spPr>
           <a:xfrm>
-            <a:off x="5297864" y="2092798"/>
-            <a:ext cx="3278034" cy="264412"/>
+            <a:off x="5576545" y="2092798"/>
+            <a:ext cx="3001404" cy="264412"/>
           </a:xfrm>
           <a:prstGeom prst="rect">
             <a:avLst/>
@@ -12470,7 +12557,7 @@
               <a:buNone/>
             </a:pPr>
             <a:r>
-              <a:rPr lang="en-US" sz="1700" dirty="0">
+              <a:rPr lang="en-US" sz="1600" dirty="0">
                 <a:solidFill>
                   <a:srgbClr val="E1E4E8"/>
                 </a:solidFill>
@@ -12495,7 +12582,7 @@
         </p:nvSpPr>
         <p:spPr>
           <a:xfrm>
-            <a:off x="44450" y="1243333"/>
+            <a:off x="279585" y="1243333"/>
             <a:ext cx="345325" cy="264412"/>
           </a:xfrm>
           <a:prstGeom prst="rightArrow">
@@ -12551,7 +12638,7 @@
         </p:nvSpPr>
         <p:spPr>
           <a:xfrm>
-            <a:off x="251057" y="3434108"/>
+            <a:off x="486192" y="3434108"/>
             <a:ext cx="345325" cy="264412"/>
           </a:xfrm>
           <a:prstGeom prst="rightArrow">
@@ -12607,7 +12694,7 @@
         </p:nvSpPr>
         <p:spPr>
           <a:xfrm>
-            <a:off x="251057" y="3723136"/>
+            <a:off x="486192" y="3723136"/>
             <a:ext cx="345325" cy="264412"/>
           </a:xfrm>
           <a:prstGeom prst="rightArrow">
@@ -12663,7 +12750,7 @@
         </p:nvSpPr>
         <p:spPr>
           <a:xfrm>
-            <a:off x="251057" y="4018570"/>
+            <a:off x="486192" y="4018570"/>
             <a:ext cx="345325" cy="264412"/>
           </a:xfrm>
           <a:prstGeom prst="rightArrow">
@@ -12719,7 +12806,7 @@
         </p:nvSpPr>
         <p:spPr>
           <a:xfrm>
-            <a:off x="251057" y="4302289"/>
+            <a:off x="486192" y="4302289"/>
             <a:ext cx="345325" cy="264412"/>
           </a:xfrm>
           <a:prstGeom prst="rightArrow">
@@ -12775,7 +12862,7 @@
         </p:nvSpPr>
         <p:spPr>
           <a:xfrm>
-            <a:off x="251057" y="4586473"/>
+            <a:off x="486192" y="4586473"/>
             <a:ext cx="345325" cy="264412"/>
           </a:xfrm>
           <a:prstGeom prst="rightArrow">
@@ -12831,7 +12918,7 @@
         </p:nvSpPr>
         <p:spPr>
           <a:xfrm>
-            <a:off x="262026" y="4865548"/>
+            <a:off x="497161" y="4865548"/>
             <a:ext cx="345325" cy="264412"/>
           </a:xfrm>
           <a:prstGeom prst="rightArrow">
@@ -12887,7 +12974,7 @@
         </p:nvSpPr>
         <p:spPr>
           <a:xfrm>
-            <a:off x="251057" y="5161721"/>
+            <a:off x="486192" y="5161721"/>
             <a:ext cx="345325" cy="264412"/>
           </a:xfrm>
           <a:prstGeom prst="rightArrow">
@@ -12943,7 +13030,7 @@
         </p:nvSpPr>
         <p:spPr>
           <a:xfrm>
-            <a:off x="251056" y="5440796"/>
+            <a:off x="486191" y="5440796"/>
             <a:ext cx="345325" cy="264412"/>
           </a:xfrm>
           <a:prstGeom prst="rightArrow">
@@ -13186,8 +13273,18 @@
                   <a:schemeClr val="tx1"/>
                 </a:solidFill>
                 <a:latin typeface="Consolas" panose="020B0609020204030204" pitchFamily="49" charset="0"/>
+                <a:hlinkClick r:id="rId2"/>
               </a:rPr>
               <a:t>http://sites.pitt.edu/~shk148/teaching/CS0449-2234/code/print.c.html</a:t>
+            </a:r>
+            <a:r>
+              <a:rPr lang="en-US" sz="1800" dirty="0">
+                <a:solidFill>
+                  <a:schemeClr val="tx1"/>
+                </a:solidFill>
+                <a:latin typeface="Consolas" panose="020B0609020204030204" pitchFamily="49" charset="0"/>
+              </a:rPr>
+              <a:t> </a:t>
             </a:r>
           </a:p>
         </p:txBody>
@@ -14425,9 +14522,9 @@
           <a:bodyPr/>
           <a:lstStyle/>
           <a:p>
-            <a:fld id="{58369C37-9A54-4268-839E-8BA271866E2C}" type="datetime1">
+            <a:fld id="{8630DC4B-752C-8C43-9879-64F89CA51352}" type="datetime3">
               <a:rPr lang="en-US" smtClean="0"/>
-              <a:t>1/24/23</a:t>
+              <a:t>25 January 2023</a:t>
             </a:fld>
             <a:endParaRPr lang="en-US"/>
           </a:p>
@@ -16074,10 +16171,10 @@
               <a:rPr lang="en-US" dirty="0">
                 <a:latin typeface="Consolas" panose="020B0609020204030204" pitchFamily="49" charset="0"/>
               </a:rPr>
-              <a:t>printf() </a:t>
-            </a:r>
-            <a:r>
-              <a:rPr lang="en-US" dirty="0"/>
+              <a:t>scanf() </a:t>
+            </a:r>
+            <a:r>
+              <a:rPr lang="en-US" baseline="-25000" dirty="0"/>
               <a:t>(live demo)</a:t>
             </a:r>
           </a:p>
@@ -16104,9 +16201,9 @@
           <a:bodyPr/>
           <a:lstStyle/>
           <a:p>
-            <a:fld id="{58369C37-9A54-4268-839E-8BA271866E2C}" type="datetime1">
+            <a:fld id="{8E6C597B-EBC1-6145-BA9F-33EA5DC72377}" type="datetime3">
               <a:rPr lang="en-US" smtClean="0"/>
-              <a:t>1/24/23</a:t>
+              <a:t>25 January 2023</a:t>
             </a:fld>
             <a:endParaRPr lang="en-US"/>
           </a:p>
@@ -17224,8 +17321,18 @@
                   <a:schemeClr val="tx1"/>
                 </a:solidFill>
                 <a:latin typeface="Consolas" panose="020B0609020204030204" pitchFamily="49" charset="0"/>
+                <a:hlinkClick r:id="rId2"/>
               </a:rPr>
               <a:t>http://sites.pitt.edu/~shk148/teaching/CS0449-2234/code/scan.c.html</a:t>
+            </a:r>
+            <a:r>
+              <a:rPr lang="en-US" sz="1800" dirty="0">
+                <a:solidFill>
+                  <a:schemeClr val="tx1"/>
+                </a:solidFill>
+                <a:latin typeface="Consolas" panose="020B0609020204030204" pitchFamily="49" charset="0"/>
+              </a:rPr>
+              <a:t> </a:t>
             </a:r>
           </a:p>
         </p:txBody>
